--- a/Chess With Min Max Algorithm.pptx
+++ b/Chess With Min Max Algorithm.pptx
@@ -1,37 +1,43 @@
 
 <file path=ppt/presentation.xml><?xml version="1.0" encoding="utf-8"?>
-<p:presentation xmlns:a="http://schemas.openxmlformats.org/drawingml/2006/main" xmlns:r="http://schemas.openxmlformats.org/officeDocument/2006/relationships" xmlns:mc="http://schemas.openxmlformats.org/markup-compatibility/2006" xmlns:mv="urn:schemas-microsoft-com:mac:vml" xmlns:p="http://schemas.openxmlformats.org/presentationml/2006/main" xmlns:c="http://schemas.openxmlformats.org/drawingml/2006/chart" xmlns:dgm="http://schemas.openxmlformats.org/drawingml/2006/diagram" xmlns:o="urn:schemas-microsoft-com:office:office" xmlns:v="urn:schemas-microsoft-com:vml" xmlns:pvml="urn:schemas-microsoft-com:office:powerpoint" xmlns:com="http://schemas.openxmlformats.org/drawingml/2006/compatibility" xmlns:p14="http://schemas.microsoft.com/office/powerpoint/2010/main" autoCompressPictures="0" embedTrueTypeFonts="1" strictFirstAndLastChars="0" saveSubsetFonts="1">
+<p:presentation xmlns:a="http://schemas.openxmlformats.org/drawingml/2006/main" xmlns:r="http://schemas.openxmlformats.org/officeDocument/2006/relationships" xmlns:p="http://schemas.openxmlformats.org/presentationml/2006/main" strictFirstAndLastChars="0" embedTrueTypeFonts="1" saveSubsetFonts="1" autoCompressPictures="0">
   <p:sldMasterIdLst>
-    <p:sldMasterId id="2147483659" r:id="rId3"/>
+    <p:sldMasterId id="2147483659" r:id="rId1"/>
   </p:sldMasterIdLst>
   <p:notesMasterIdLst>
-    <p:notesMasterId r:id="rId4"/>
+    <p:notesMasterId r:id="rId15"/>
   </p:notesMasterIdLst>
   <p:sldIdLst>
-    <p:sldId id="256" r:id="rId5"/>
-    <p:sldId id="257" r:id="rId6"/>
-    <p:sldId id="258" r:id="rId7"/>
-    <p:sldId id="259" r:id="rId8"/>
-    <p:sldId id="260" r:id="rId9"/>
-    <p:sldId id="261" r:id="rId10"/>
-    <p:sldId id="262" r:id="rId11"/>
+    <p:sldId id="256" r:id="rId2"/>
+    <p:sldId id="257" r:id="rId3"/>
+    <p:sldId id="258" r:id="rId4"/>
+    <p:sldId id="266" r:id="rId5"/>
+    <p:sldId id="259" r:id="rId6"/>
+    <p:sldId id="260" r:id="rId7"/>
+    <p:sldId id="261" r:id="rId8"/>
+    <p:sldId id="262" r:id="rId9"/>
+    <p:sldId id="267" r:id="rId10"/>
+    <p:sldId id="268" r:id="rId11"/>
+    <p:sldId id="263" r:id="rId12"/>
+    <p:sldId id="265" r:id="rId13"/>
+    <p:sldId id="264" r:id="rId14"/>
   </p:sldIdLst>
-  <p:sldSz cy="5143500" cx="9144000"/>
+  <p:sldSz cx="9144000" cy="5143500" type="screen16x9"/>
   <p:notesSz cx="6858000" cy="9144000"/>
   <p:embeddedFontLst>
     <p:embeddedFont>
-      <p:font typeface="Amatic SC"/>
-      <p:regular r:id="rId12"/>
-      <p:bold r:id="rId13"/>
+      <p:font typeface="Amatic SC" panose="020B0604020202020204" charset="-79"/>
+      <p:regular r:id="rId16"/>
+      <p:bold r:id="rId17"/>
     </p:embeddedFont>
     <p:embeddedFont>
-      <p:font typeface="Source Code Pro"/>
-      <p:regular r:id="rId14"/>
-      <p:bold r:id="rId15"/>
+      <p:font typeface="Source Code Pro" panose="020B0604020202020204" charset="0"/>
+      <p:regular r:id="rId18"/>
+      <p:bold r:id="rId19"/>
     </p:embeddedFont>
   </p:embeddedFontLst>
   <p:defaultTextStyle>
-    <a:defPPr lvl="0" marR="0" rtl="0" algn="l">
+    <a:defPPr marR="0" lvl="0" algn="l" rtl="0">
       <a:lnSpc>
         <a:spcPct val="100000"/>
       </a:lnSpc>
@@ -42,7 +48,7 @@
         <a:spcPts val="0"/>
       </a:spcAft>
     </a:defPPr>
-    <a:lvl1pPr lvl="0" marR="0" rtl="0" algn="l">
+    <a:lvl1pPr marR="0" lvl="0" algn="l" rtl="0">
       <a:lnSpc>
         <a:spcPct val="100000"/>
       </a:lnSpc>
@@ -53,7 +59,7 @@
         <a:spcPts val="0"/>
       </a:spcAft>
       <a:buNone/>
-      <a:defRPr b="0" i="0" sz="1400" u="none" cap="none" strike="noStrike">
+      <a:defRPr sz="1400" b="0" i="0" u="none" strike="noStrike" cap="none">
         <a:solidFill>
           <a:srgbClr val="000000"/>
         </a:solidFill>
@@ -63,7 +69,7 @@
         <a:sym typeface="Arial"/>
       </a:defRPr>
     </a:lvl1pPr>
-    <a:lvl2pPr lvl="1" marR="0" rtl="0" algn="l">
+    <a:lvl2pPr marR="0" lvl="1" algn="l" rtl="0">
       <a:lnSpc>
         <a:spcPct val="100000"/>
       </a:lnSpc>
@@ -74,7 +80,7 @@
         <a:spcPts val="0"/>
       </a:spcAft>
       <a:buNone/>
-      <a:defRPr b="0" i="0" sz="1400" u="none" cap="none" strike="noStrike">
+      <a:defRPr sz="1400" b="0" i="0" u="none" strike="noStrike" cap="none">
         <a:solidFill>
           <a:srgbClr val="000000"/>
         </a:solidFill>
@@ -84,7 +90,7 @@
         <a:sym typeface="Arial"/>
       </a:defRPr>
     </a:lvl2pPr>
-    <a:lvl3pPr lvl="2" marR="0" rtl="0" algn="l">
+    <a:lvl3pPr marR="0" lvl="2" algn="l" rtl="0">
       <a:lnSpc>
         <a:spcPct val="100000"/>
       </a:lnSpc>
@@ -95,7 +101,7 @@
         <a:spcPts val="0"/>
       </a:spcAft>
       <a:buNone/>
-      <a:defRPr b="0" i="0" sz="1400" u="none" cap="none" strike="noStrike">
+      <a:defRPr sz="1400" b="0" i="0" u="none" strike="noStrike" cap="none">
         <a:solidFill>
           <a:srgbClr val="000000"/>
         </a:solidFill>
@@ -105,7 +111,7 @@
         <a:sym typeface="Arial"/>
       </a:defRPr>
     </a:lvl3pPr>
-    <a:lvl4pPr lvl="3" marR="0" rtl="0" algn="l">
+    <a:lvl4pPr marR="0" lvl="3" algn="l" rtl="0">
       <a:lnSpc>
         <a:spcPct val="100000"/>
       </a:lnSpc>
@@ -116,7 +122,7 @@
         <a:spcPts val="0"/>
       </a:spcAft>
       <a:buNone/>
-      <a:defRPr b="0" i="0" sz="1400" u="none" cap="none" strike="noStrike">
+      <a:defRPr sz="1400" b="0" i="0" u="none" strike="noStrike" cap="none">
         <a:solidFill>
           <a:srgbClr val="000000"/>
         </a:solidFill>
@@ -126,7 +132,7 @@
         <a:sym typeface="Arial"/>
       </a:defRPr>
     </a:lvl4pPr>
-    <a:lvl5pPr lvl="4" marR="0" rtl="0" algn="l">
+    <a:lvl5pPr marR="0" lvl="4" algn="l" rtl="0">
       <a:lnSpc>
         <a:spcPct val="100000"/>
       </a:lnSpc>
@@ -137,7 +143,7 @@
         <a:spcPts val="0"/>
       </a:spcAft>
       <a:buNone/>
-      <a:defRPr b="0" i="0" sz="1400" u="none" cap="none" strike="noStrike">
+      <a:defRPr sz="1400" b="0" i="0" u="none" strike="noStrike" cap="none">
         <a:solidFill>
           <a:srgbClr val="000000"/>
         </a:solidFill>
@@ -147,7 +153,7 @@
         <a:sym typeface="Arial"/>
       </a:defRPr>
     </a:lvl5pPr>
-    <a:lvl6pPr lvl="5" marR="0" rtl="0" algn="l">
+    <a:lvl6pPr marR="0" lvl="5" algn="l" rtl="0">
       <a:lnSpc>
         <a:spcPct val="100000"/>
       </a:lnSpc>
@@ -158,7 +164,7 @@
         <a:spcPts val="0"/>
       </a:spcAft>
       <a:buNone/>
-      <a:defRPr b="0" i="0" sz="1400" u="none" cap="none" strike="noStrike">
+      <a:defRPr sz="1400" b="0" i="0" u="none" strike="noStrike" cap="none">
         <a:solidFill>
           <a:srgbClr val="000000"/>
         </a:solidFill>
@@ -168,7 +174,7 @@
         <a:sym typeface="Arial"/>
       </a:defRPr>
     </a:lvl6pPr>
-    <a:lvl7pPr lvl="6" marR="0" rtl="0" algn="l">
+    <a:lvl7pPr marR="0" lvl="6" algn="l" rtl="0">
       <a:lnSpc>
         <a:spcPct val="100000"/>
       </a:lnSpc>
@@ -179,7 +185,7 @@
         <a:spcPts val="0"/>
       </a:spcAft>
       <a:buNone/>
-      <a:defRPr b="0" i="0" sz="1400" u="none" cap="none" strike="noStrike">
+      <a:defRPr sz="1400" b="0" i="0" u="none" strike="noStrike" cap="none">
         <a:solidFill>
           <a:srgbClr val="000000"/>
         </a:solidFill>
@@ -189,7 +195,7 @@
         <a:sym typeface="Arial"/>
       </a:defRPr>
     </a:lvl7pPr>
-    <a:lvl8pPr lvl="7" marR="0" rtl="0" algn="l">
+    <a:lvl8pPr marR="0" lvl="7" algn="l" rtl="0">
       <a:lnSpc>
         <a:spcPct val="100000"/>
       </a:lnSpc>
@@ -200,7 +206,7 @@
         <a:spcPts val="0"/>
       </a:spcAft>
       <a:buNone/>
-      <a:defRPr b="0" i="0" sz="1400" u="none" cap="none" strike="noStrike">
+      <a:defRPr sz="1400" b="0" i="0" u="none" strike="noStrike" cap="none">
         <a:solidFill>
           <a:srgbClr val="000000"/>
         </a:solidFill>
@@ -210,7 +216,7 @@
         <a:sym typeface="Arial"/>
       </a:defRPr>
     </a:lvl8pPr>
-    <a:lvl9pPr lvl="8" marR="0" rtl="0" algn="l">
+    <a:lvl9pPr marR="0" lvl="8" algn="l" rtl="0">
       <a:lnSpc>
         <a:spcPct val="100000"/>
       </a:lnSpc>
@@ -221,7 +227,7 @@
         <a:spcPts val="0"/>
       </a:spcAft>
       <a:buNone/>
-      <a:defRPr b="0" i="0" sz="1400" u="none" cap="none" strike="noStrike">
+      <a:defRPr sz="1400" b="0" i="0" u="none" strike="noStrike" cap="none">
         <a:solidFill>
           <a:srgbClr val="000000"/>
         </a:solidFill>
@@ -232,15 +238,25 @@
       </a:defRPr>
     </a:lvl9pPr>
   </p:defaultTextStyle>
+  <p:extLst>
+    <p:ext uri="{EFAFB233-063F-42B5-8137-9DF3F51BA10A}">
+      <p15:sldGuideLst xmlns:p15="http://schemas.microsoft.com/office/powerpoint/2012/main"/>
+    </p:ext>
+  </p:extLst>
 </p:presentation>
 </file>
 
 <file path=ppt/notesMasters/notesMaster1.xml><?xml version="1.0" encoding="utf-8"?>
-<p:notesMaster xmlns:a="http://schemas.openxmlformats.org/drawingml/2006/main" xmlns:r="http://schemas.openxmlformats.org/officeDocument/2006/relationships" xmlns:mc="http://schemas.openxmlformats.org/markup-compatibility/2006" xmlns:mv="urn:schemas-microsoft-com:mac:vml" xmlns:p="http://schemas.openxmlformats.org/presentationml/2006/main" xmlns:c="http://schemas.openxmlformats.org/drawingml/2006/chart" xmlns:dgm="http://schemas.openxmlformats.org/drawingml/2006/diagram" xmlns:o="urn:schemas-microsoft-com:office:office" xmlns:v="urn:schemas-microsoft-com:vml" xmlns:pvml="urn:schemas-microsoft-com:office:powerpoint" xmlns:com="http://schemas.openxmlformats.org/drawingml/2006/compatibility" xmlns:p14="http://schemas.microsoft.com/office/powerpoint/2010/main">
+<p:notesMaster xmlns:a="http://schemas.openxmlformats.org/drawingml/2006/main" xmlns:r="http://schemas.openxmlformats.org/officeDocument/2006/relationships" xmlns:p="http://schemas.openxmlformats.org/presentationml/2006/main">
   <p:cSld>
+    <p:bg>
+      <p:bgRef idx="1001">
+        <a:schemeClr val="bg1"/>
+      </p:bgRef>
+    </p:bg>
     <p:spTree>
       <p:nvGrpSpPr>
-        <p:cNvPr id="2" name="Shape 2"/>
+        <p:cNvPr id="1" name="Shape 2"/>
         <p:cNvGrpSpPr/>
         <p:nvPr/>
       </p:nvGrpSpPr>
@@ -255,9 +271,11 @@
       <p:sp>
         <p:nvSpPr>
           <p:cNvPr id="3" name="Shape 3"/>
-          <p:cNvSpPr/>
+          <p:cNvSpPr>
+            <a:spLocks noGrp="1" noRot="1" noChangeAspect="1"/>
+          </p:cNvSpPr>
           <p:nvPr>
-            <p:ph idx="2" type="sldImg"/>
+            <p:ph type="sldImg" idx="2"/>
           </p:nvPr>
         </p:nvSpPr>
         <p:spPr>
@@ -266,8 +284,13 @@
             <a:ext cx="6096075" cy="3429000"/>
           </a:xfrm>
           <a:custGeom>
+            <a:avLst/>
+            <a:gdLst/>
+            <a:ahLst/>
+            <a:cxnLst/>
+            <a:rect l="0" t="0" r="0" b="0"/>
             <a:pathLst>
-              <a:path extrusionOk="0" h="120000" w="120000">
+              <a:path w="120000" h="120000" extrusionOk="0">
                 <a:moveTo>
                   <a:pt x="0" y="0"/>
                 </a:moveTo>
@@ -285,23 +308,25 @@
             </a:pathLst>
           </a:custGeom>
           <a:noFill/>
-          <a:ln cap="flat" cmpd="sng" w="9525">
+          <a:ln w="9525" cap="flat" cmpd="sng">
             <a:solidFill>
               <a:srgbClr val="000000"/>
             </a:solidFill>
             <a:prstDash val="solid"/>
             <a:round/>
-            <a:headEnd len="med" w="med" type="none"/>
-            <a:tailEnd len="med" w="med" type="none"/>
+            <a:headEnd type="none" w="med" len="med"/>
+            <a:tailEnd type="none" w="med" len="med"/>
           </a:ln>
         </p:spPr>
       </p:sp>
       <p:sp>
         <p:nvSpPr>
           <p:cNvPr id="4" name="Shape 4"/>
-          <p:cNvSpPr txBox="1"/>
+          <p:cNvSpPr txBox="1">
+            <a:spLocks noGrp="1"/>
+          </p:cNvSpPr>
           <p:nvPr>
-            <p:ph idx="1" type="body"/>
+            <p:ph type="body" idx="1"/>
           </p:nvPr>
         </p:nvSpPr>
         <p:spPr>
@@ -318,7 +343,7 @@
           </a:ln>
         </p:spPr>
         <p:txBody>
-          <a:bodyPr anchorCtr="0" anchor="t" bIns="91425" lIns="91425" rIns="91425" tIns="91425"/>
+          <a:bodyPr lIns="91425" tIns="91425" rIns="91425" bIns="91425" anchor="t" anchorCtr="0"/>
           <a:lstStyle>
             <a:lvl1pPr lvl="0">
               <a:spcBef>
@@ -375,21 +400,120 @@
               <a:defRPr sz="1100"/>
             </a:lvl9pPr>
           </a:lstStyle>
-          <a:p/>
+          <a:p>
+            <a:endParaRPr/>
+          </a:p>
         </p:txBody>
       </p:sp>
     </p:spTree>
+    <p:extLst>
+      <p:ext uri="{BB962C8B-B14F-4D97-AF65-F5344CB8AC3E}">
+        <p14:creationId xmlns:p14="http://schemas.microsoft.com/office/powerpoint/2010/main" val="375873078"/>
+      </p:ext>
+    </p:extLst>
   </p:cSld>
-  <p:clrMap accent1="accent1" accent2="accent2" accent3="accent3" accent4="accent4" accent5="accent5" accent6="accent6" bg1="lt1" bg2="dk2" tx1="dk1" tx2="lt2" folHlink="folHlink" hlink="hlink"/>
+  <p:clrMap bg1="lt1" tx1="dk1" bg2="dk2" tx2="lt2" accent1="accent1" accent2="accent2" accent3="accent3" accent4="accent4" accent5="accent5" accent6="accent6" hlink="hlink" folHlink="folHlink"/>
+  <p:notesStyle>
+    <a:lvl1pPr marL="0" algn="l" defTabSz="914400" rtl="0" eaLnBrk="1" latinLnBrk="0" hangingPunct="1">
+      <a:defRPr sz="1200" kern="1200">
+        <a:solidFill>
+          <a:schemeClr val="tx1"/>
+        </a:solidFill>
+        <a:latin typeface="+mn-lt"/>
+        <a:ea typeface="+mn-ea"/>
+        <a:cs typeface="+mn-cs"/>
+      </a:defRPr>
+    </a:lvl1pPr>
+    <a:lvl2pPr marL="457200" algn="l" defTabSz="914400" rtl="0" eaLnBrk="1" latinLnBrk="0" hangingPunct="1">
+      <a:defRPr sz="1200" kern="1200">
+        <a:solidFill>
+          <a:schemeClr val="tx1"/>
+        </a:solidFill>
+        <a:latin typeface="+mn-lt"/>
+        <a:ea typeface="+mn-ea"/>
+        <a:cs typeface="+mn-cs"/>
+      </a:defRPr>
+    </a:lvl2pPr>
+    <a:lvl3pPr marL="914400" algn="l" defTabSz="914400" rtl="0" eaLnBrk="1" latinLnBrk="0" hangingPunct="1">
+      <a:defRPr sz="1200" kern="1200">
+        <a:solidFill>
+          <a:schemeClr val="tx1"/>
+        </a:solidFill>
+        <a:latin typeface="+mn-lt"/>
+        <a:ea typeface="+mn-ea"/>
+        <a:cs typeface="+mn-cs"/>
+      </a:defRPr>
+    </a:lvl3pPr>
+    <a:lvl4pPr marL="1371600" algn="l" defTabSz="914400" rtl="0" eaLnBrk="1" latinLnBrk="0" hangingPunct="1">
+      <a:defRPr sz="1200" kern="1200">
+        <a:solidFill>
+          <a:schemeClr val="tx1"/>
+        </a:solidFill>
+        <a:latin typeface="+mn-lt"/>
+        <a:ea typeface="+mn-ea"/>
+        <a:cs typeface="+mn-cs"/>
+      </a:defRPr>
+    </a:lvl4pPr>
+    <a:lvl5pPr marL="1828800" algn="l" defTabSz="914400" rtl="0" eaLnBrk="1" latinLnBrk="0" hangingPunct="1">
+      <a:defRPr sz="1200" kern="1200">
+        <a:solidFill>
+          <a:schemeClr val="tx1"/>
+        </a:solidFill>
+        <a:latin typeface="+mn-lt"/>
+        <a:ea typeface="+mn-ea"/>
+        <a:cs typeface="+mn-cs"/>
+      </a:defRPr>
+    </a:lvl5pPr>
+    <a:lvl6pPr marL="2286000" algn="l" defTabSz="914400" rtl="0" eaLnBrk="1" latinLnBrk="0" hangingPunct="1">
+      <a:defRPr sz="1200" kern="1200">
+        <a:solidFill>
+          <a:schemeClr val="tx1"/>
+        </a:solidFill>
+        <a:latin typeface="+mn-lt"/>
+        <a:ea typeface="+mn-ea"/>
+        <a:cs typeface="+mn-cs"/>
+      </a:defRPr>
+    </a:lvl6pPr>
+    <a:lvl7pPr marL="2743200" algn="l" defTabSz="914400" rtl="0" eaLnBrk="1" latinLnBrk="0" hangingPunct="1">
+      <a:defRPr sz="1200" kern="1200">
+        <a:solidFill>
+          <a:schemeClr val="tx1"/>
+        </a:solidFill>
+        <a:latin typeface="+mn-lt"/>
+        <a:ea typeface="+mn-ea"/>
+        <a:cs typeface="+mn-cs"/>
+      </a:defRPr>
+    </a:lvl7pPr>
+    <a:lvl8pPr marL="3200400" algn="l" defTabSz="914400" rtl="0" eaLnBrk="1" latinLnBrk="0" hangingPunct="1">
+      <a:defRPr sz="1200" kern="1200">
+        <a:solidFill>
+          <a:schemeClr val="tx1"/>
+        </a:solidFill>
+        <a:latin typeface="+mn-lt"/>
+        <a:ea typeface="+mn-ea"/>
+        <a:cs typeface="+mn-cs"/>
+      </a:defRPr>
+    </a:lvl8pPr>
+    <a:lvl9pPr marL="3657600" algn="l" defTabSz="914400" rtl="0" eaLnBrk="1" latinLnBrk="0" hangingPunct="1">
+      <a:defRPr sz="1200" kern="1200">
+        <a:solidFill>
+          <a:schemeClr val="tx1"/>
+        </a:solidFill>
+        <a:latin typeface="+mn-lt"/>
+        <a:ea typeface="+mn-ea"/>
+        <a:cs typeface="+mn-cs"/>
+      </a:defRPr>
+    </a:lvl9pPr>
+  </p:notesStyle>
 </p:notesMaster>
 </file>
 
 <file path=ppt/notesSlides/notesSlide1.xml><?xml version="1.0" encoding="utf-8"?>
-<p:notes xmlns:a="http://schemas.openxmlformats.org/drawingml/2006/main" xmlns:r="http://schemas.openxmlformats.org/officeDocument/2006/relationships" xmlns:mc="http://schemas.openxmlformats.org/markup-compatibility/2006" xmlns:mv="urn:schemas-microsoft-com:mac:vml" xmlns:p="http://schemas.openxmlformats.org/presentationml/2006/main" xmlns:c="http://schemas.openxmlformats.org/drawingml/2006/chart" xmlns:dgm="http://schemas.openxmlformats.org/drawingml/2006/diagram" xmlns:o="urn:schemas-microsoft-com:office:office" xmlns:v="urn:schemas-microsoft-com:vml" xmlns:pvml="urn:schemas-microsoft-com:office:powerpoint" xmlns:com="http://schemas.openxmlformats.org/drawingml/2006/compatibility" xmlns:p14="http://schemas.microsoft.com/office/powerpoint/2010/main" showMasterPhAnim="0" showMasterSp="0">
+<p:notes xmlns:a="http://schemas.openxmlformats.org/drawingml/2006/main" xmlns:r="http://schemas.openxmlformats.org/officeDocument/2006/relationships" xmlns:p="http://schemas.openxmlformats.org/presentationml/2006/main" showMasterSp="0" showMasterPhAnim="0">
   <p:cSld>
     <p:spTree>
       <p:nvGrpSpPr>
-        <p:cNvPr id="52" name="Shape 52"/>
+        <p:cNvPr id="1" name="Shape 52"/>
         <p:cNvGrpSpPr/>
         <p:nvPr/>
       </p:nvGrpSpPr>
@@ -404,9 +528,11 @@
       <p:sp>
         <p:nvSpPr>
           <p:cNvPr id="53" name="Shape 53"/>
-          <p:cNvSpPr/>
+          <p:cNvSpPr>
+            <a:spLocks noGrp="1" noRot="1" noChangeAspect="1"/>
+          </p:cNvSpPr>
           <p:nvPr>
-            <p:ph idx="2" type="sldImg"/>
+            <p:ph type="sldImg" idx="2"/>
           </p:nvPr>
         </p:nvSpPr>
         <p:spPr>
@@ -415,8 +541,13 @@
             <a:ext cx="6096075" cy="3429000"/>
           </a:xfrm>
           <a:custGeom>
+            <a:avLst/>
+            <a:gdLst/>
+            <a:ahLst/>
+            <a:cxnLst/>
+            <a:rect l="0" t="0" r="0" b="0"/>
             <a:pathLst>
-              <a:path extrusionOk="0" h="120000" w="120000">
+              <a:path w="120000" h="120000" extrusionOk="0">
                 <a:moveTo>
                   <a:pt x="0" y="0"/>
                 </a:moveTo>
@@ -438,9 +569,11 @@
       <p:sp>
         <p:nvSpPr>
           <p:cNvPr id="54" name="Shape 54"/>
-          <p:cNvSpPr txBox="1"/>
+          <p:cNvSpPr txBox="1">
+            <a:spLocks noGrp="1"/>
+          </p:cNvSpPr>
           <p:nvPr>
-            <p:ph idx="1" type="body"/>
+            <p:ph type="body" idx="1"/>
           </p:nvPr>
         </p:nvSpPr>
         <p:spPr>
@@ -453,7 +586,7 @@
           </a:prstGeom>
         </p:spPr>
         <p:txBody>
-          <a:bodyPr anchorCtr="0" anchor="t" bIns="91425" lIns="91425" rIns="91425" tIns="91425">
+          <a:bodyPr lIns="91425" tIns="91425" rIns="91425" bIns="91425" anchor="t" anchorCtr="0">
             <a:noAutofit/>
           </a:bodyPr>
           <a:lstStyle/>
@@ -464,14 +597,16 @@
               </a:spcBef>
               <a:buNone/>
             </a:pPr>
-            <a:r>
-              <a:t/>
-            </a:r>
             <a:endParaRPr/>
           </a:p>
         </p:txBody>
       </p:sp>
     </p:spTree>
+    <p:extLst>
+      <p:ext uri="{BB962C8B-B14F-4D97-AF65-F5344CB8AC3E}">
+        <p14:creationId xmlns:p14="http://schemas.microsoft.com/office/powerpoint/2010/main" val="1871711006"/>
+      </p:ext>
+    </p:extLst>
   </p:cSld>
   <p:clrMapOvr>
     <a:masterClrMapping/>
@@ -480,11 +615,11 @@
 </file>
 
 <file path=ppt/notesSlides/notesSlide2.xml><?xml version="1.0" encoding="utf-8"?>
-<p:notes xmlns:a="http://schemas.openxmlformats.org/drawingml/2006/main" xmlns:r="http://schemas.openxmlformats.org/officeDocument/2006/relationships" xmlns:mc="http://schemas.openxmlformats.org/markup-compatibility/2006" xmlns:mv="urn:schemas-microsoft-com:mac:vml" xmlns:p="http://schemas.openxmlformats.org/presentationml/2006/main" xmlns:c="http://schemas.openxmlformats.org/drawingml/2006/chart" xmlns:dgm="http://schemas.openxmlformats.org/drawingml/2006/diagram" xmlns:o="urn:schemas-microsoft-com:office:office" xmlns:v="urn:schemas-microsoft-com:vml" xmlns:pvml="urn:schemas-microsoft-com:office:powerpoint" xmlns:com="http://schemas.openxmlformats.org/drawingml/2006/compatibility" xmlns:p14="http://schemas.microsoft.com/office/powerpoint/2010/main" showMasterPhAnim="0" showMasterSp="0">
+<p:notes xmlns:a="http://schemas.openxmlformats.org/drawingml/2006/main" xmlns:r="http://schemas.openxmlformats.org/officeDocument/2006/relationships" xmlns:p="http://schemas.openxmlformats.org/presentationml/2006/main" showMasterSp="0" showMasterPhAnim="0">
   <p:cSld>
     <p:spTree>
       <p:nvGrpSpPr>
-        <p:cNvPr id="58" name="Shape 58"/>
+        <p:cNvPr id="1" name="Shape 58"/>
         <p:cNvGrpSpPr/>
         <p:nvPr/>
       </p:nvGrpSpPr>
@@ -499,19 +634,26 @@
       <p:sp>
         <p:nvSpPr>
           <p:cNvPr id="59" name="Shape 59"/>
-          <p:cNvSpPr/>
+          <p:cNvSpPr>
+            <a:spLocks noGrp="1" noRot="1" noChangeAspect="1"/>
+          </p:cNvSpPr>
           <p:nvPr>
-            <p:ph idx="2" type="sldImg"/>
+            <p:ph type="sldImg" idx="2"/>
           </p:nvPr>
         </p:nvSpPr>
         <p:spPr>
           <a:xfrm>
-            <a:off x="381300" y="685800"/>
+            <a:off x="381000" y="685800"/>
             <a:ext cx="6096000" cy="3429000"/>
           </a:xfrm>
           <a:custGeom>
+            <a:avLst/>
+            <a:gdLst/>
+            <a:ahLst/>
+            <a:cxnLst/>
+            <a:rect l="0" t="0" r="0" b="0"/>
             <a:pathLst>
-              <a:path extrusionOk="0" h="120000" w="120000">
+              <a:path w="120000" h="120000" extrusionOk="0">
                 <a:moveTo>
                   <a:pt x="0" y="0"/>
                 </a:moveTo>
@@ -533,9 +675,11 @@
       <p:sp>
         <p:nvSpPr>
           <p:cNvPr id="60" name="Shape 60"/>
-          <p:cNvSpPr txBox="1"/>
+          <p:cNvSpPr txBox="1">
+            <a:spLocks noGrp="1"/>
+          </p:cNvSpPr>
           <p:nvPr>
-            <p:ph idx="1" type="body"/>
+            <p:ph type="body" idx="1"/>
           </p:nvPr>
         </p:nvSpPr>
         <p:spPr>
@@ -548,7 +692,7 @@
           </a:prstGeom>
         </p:spPr>
         <p:txBody>
-          <a:bodyPr anchorCtr="0" anchor="t" bIns="91425" lIns="91425" rIns="91425" tIns="91425">
+          <a:bodyPr lIns="91425" tIns="91425" rIns="91425" bIns="91425" anchor="t" anchorCtr="0">
             <a:noAutofit/>
           </a:bodyPr>
           <a:lstStyle/>
@@ -559,14 +703,16 @@
               </a:spcBef>
               <a:buNone/>
             </a:pPr>
-            <a:r>
-              <a:t/>
-            </a:r>
             <a:endParaRPr/>
           </a:p>
         </p:txBody>
       </p:sp>
     </p:spTree>
+    <p:extLst>
+      <p:ext uri="{BB962C8B-B14F-4D97-AF65-F5344CB8AC3E}">
+        <p14:creationId xmlns:p14="http://schemas.microsoft.com/office/powerpoint/2010/main" val="4133307296"/>
+      </p:ext>
+    </p:extLst>
   </p:cSld>
   <p:clrMapOvr>
     <a:masterClrMapping/>
@@ -575,11 +721,11 @@
 </file>
 
 <file path=ppt/notesSlides/notesSlide3.xml><?xml version="1.0" encoding="utf-8"?>
-<p:notes xmlns:a="http://schemas.openxmlformats.org/drawingml/2006/main" xmlns:r="http://schemas.openxmlformats.org/officeDocument/2006/relationships" xmlns:mc="http://schemas.openxmlformats.org/markup-compatibility/2006" xmlns:mv="urn:schemas-microsoft-com:mac:vml" xmlns:p="http://schemas.openxmlformats.org/presentationml/2006/main" xmlns:c="http://schemas.openxmlformats.org/drawingml/2006/chart" xmlns:dgm="http://schemas.openxmlformats.org/drawingml/2006/diagram" xmlns:o="urn:schemas-microsoft-com:office:office" xmlns:v="urn:schemas-microsoft-com:vml" xmlns:pvml="urn:schemas-microsoft-com:office:powerpoint" xmlns:com="http://schemas.openxmlformats.org/drawingml/2006/compatibility" xmlns:p14="http://schemas.microsoft.com/office/powerpoint/2010/main" showMasterPhAnim="0" showMasterSp="0">
+<p:notes xmlns:a="http://schemas.openxmlformats.org/drawingml/2006/main" xmlns:r="http://schemas.openxmlformats.org/officeDocument/2006/relationships" xmlns:p="http://schemas.openxmlformats.org/presentationml/2006/main" showMasterSp="0" showMasterPhAnim="0">
   <p:cSld>
     <p:spTree>
       <p:nvGrpSpPr>
-        <p:cNvPr id="66" name="Shape 66"/>
+        <p:cNvPr id="1" name="Shape 66"/>
         <p:cNvGrpSpPr/>
         <p:nvPr/>
       </p:nvGrpSpPr>
@@ -594,19 +740,26 @@
       <p:sp>
         <p:nvSpPr>
           <p:cNvPr id="67" name="Shape 67"/>
-          <p:cNvSpPr/>
+          <p:cNvSpPr>
+            <a:spLocks noGrp="1" noRot="1" noChangeAspect="1"/>
+          </p:cNvSpPr>
           <p:nvPr>
-            <p:ph idx="2" type="sldImg"/>
+            <p:ph type="sldImg" idx="2"/>
           </p:nvPr>
         </p:nvSpPr>
         <p:spPr>
           <a:xfrm>
-            <a:off x="381300" y="685800"/>
+            <a:off x="381000" y="685800"/>
             <a:ext cx="6096000" cy="3429000"/>
           </a:xfrm>
           <a:custGeom>
+            <a:avLst/>
+            <a:gdLst/>
+            <a:ahLst/>
+            <a:cxnLst/>
+            <a:rect l="0" t="0" r="0" b="0"/>
             <a:pathLst>
-              <a:path extrusionOk="0" h="120000" w="120000">
+              <a:path w="120000" h="120000" extrusionOk="0">
                 <a:moveTo>
                   <a:pt x="0" y="0"/>
                 </a:moveTo>
@@ -628,9 +781,11 @@
       <p:sp>
         <p:nvSpPr>
           <p:cNvPr id="68" name="Shape 68"/>
-          <p:cNvSpPr txBox="1"/>
+          <p:cNvSpPr txBox="1">
+            <a:spLocks noGrp="1"/>
+          </p:cNvSpPr>
           <p:nvPr>
-            <p:ph idx="1" type="body"/>
+            <p:ph type="body" idx="1"/>
           </p:nvPr>
         </p:nvSpPr>
         <p:spPr>
@@ -643,7 +798,7 @@
           </a:prstGeom>
         </p:spPr>
         <p:txBody>
-          <a:bodyPr anchorCtr="0" anchor="t" bIns="91425" lIns="91425" rIns="91425" tIns="91425">
+          <a:bodyPr lIns="91425" tIns="91425" rIns="91425" bIns="91425" anchor="t" anchorCtr="0">
             <a:noAutofit/>
           </a:bodyPr>
           <a:lstStyle/>
@@ -654,14 +809,16 @@
               </a:spcBef>
               <a:buNone/>
             </a:pPr>
-            <a:r>
-              <a:t/>
-            </a:r>
             <a:endParaRPr/>
           </a:p>
         </p:txBody>
       </p:sp>
     </p:spTree>
+    <p:extLst>
+      <p:ext uri="{BB962C8B-B14F-4D97-AF65-F5344CB8AC3E}">
+        <p14:creationId xmlns:p14="http://schemas.microsoft.com/office/powerpoint/2010/main" val="3367646279"/>
+      </p:ext>
+    </p:extLst>
   </p:cSld>
   <p:clrMapOvr>
     <a:masterClrMapping/>
@@ -670,11 +827,11 @@
 </file>
 
 <file path=ppt/notesSlides/notesSlide4.xml><?xml version="1.0" encoding="utf-8"?>
-<p:notes xmlns:a="http://schemas.openxmlformats.org/drawingml/2006/main" xmlns:r="http://schemas.openxmlformats.org/officeDocument/2006/relationships" xmlns:mc="http://schemas.openxmlformats.org/markup-compatibility/2006" xmlns:mv="urn:schemas-microsoft-com:mac:vml" xmlns:p="http://schemas.openxmlformats.org/presentationml/2006/main" xmlns:c="http://schemas.openxmlformats.org/drawingml/2006/chart" xmlns:dgm="http://schemas.openxmlformats.org/drawingml/2006/diagram" xmlns:o="urn:schemas-microsoft-com:office:office" xmlns:v="urn:schemas-microsoft-com:vml" xmlns:pvml="urn:schemas-microsoft-com:office:powerpoint" xmlns:com="http://schemas.openxmlformats.org/drawingml/2006/compatibility" xmlns:p14="http://schemas.microsoft.com/office/powerpoint/2010/main" showMasterPhAnim="0" showMasterSp="0">
+<p:notes xmlns:a="http://schemas.openxmlformats.org/drawingml/2006/main" xmlns:r="http://schemas.openxmlformats.org/officeDocument/2006/relationships" xmlns:p="http://schemas.openxmlformats.org/presentationml/2006/main" showMasterSp="0" showMasterPhAnim="0">
   <p:cSld>
     <p:spTree>
       <p:nvGrpSpPr>
-        <p:cNvPr id="72" name="Shape 72"/>
+        <p:cNvPr id="1" name="Shape 72"/>
         <p:cNvGrpSpPr/>
         <p:nvPr/>
       </p:nvGrpSpPr>
@@ -689,9 +846,11 @@
       <p:sp>
         <p:nvSpPr>
           <p:cNvPr id="73" name="Shape 73"/>
-          <p:cNvSpPr/>
+          <p:cNvSpPr>
+            <a:spLocks noGrp="1" noRot="1" noChangeAspect="1"/>
+          </p:cNvSpPr>
           <p:nvPr>
-            <p:ph idx="2" type="sldImg"/>
+            <p:ph type="sldImg" idx="2"/>
           </p:nvPr>
         </p:nvSpPr>
         <p:spPr>
@@ -700,8 +859,13 @@
             <a:ext cx="6096000" cy="3429000"/>
           </a:xfrm>
           <a:custGeom>
+            <a:avLst/>
+            <a:gdLst/>
+            <a:ahLst/>
+            <a:cxnLst/>
+            <a:rect l="0" t="0" r="0" b="0"/>
             <a:pathLst>
-              <a:path extrusionOk="0" h="120000" w="120000">
+              <a:path w="120000" h="120000" extrusionOk="0">
                 <a:moveTo>
                   <a:pt x="0" y="0"/>
                 </a:moveTo>
@@ -723,9 +887,11 @@
       <p:sp>
         <p:nvSpPr>
           <p:cNvPr id="74" name="Shape 74"/>
-          <p:cNvSpPr txBox="1"/>
+          <p:cNvSpPr txBox="1">
+            <a:spLocks noGrp="1"/>
+          </p:cNvSpPr>
           <p:nvPr>
-            <p:ph idx="1" type="body"/>
+            <p:ph type="body" idx="1"/>
           </p:nvPr>
         </p:nvSpPr>
         <p:spPr>
@@ -738,7 +904,7 @@
           </a:prstGeom>
         </p:spPr>
         <p:txBody>
-          <a:bodyPr anchorCtr="0" anchor="t" bIns="91425" lIns="91425" rIns="91425" tIns="91425">
+          <a:bodyPr lIns="91425" tIns="91425" rIns="91425" bIns="91425" anchor="t" anchorCtr="0">
             <a:noAutofit/>
           </a:bodyPr>
           <a:lstStyle/>
@@ -749,14 +915,16 @@
               </a:spcBef>
               <a:buNone/>
             </a:pPr>
-            <a:r>
-              <a:t/>
-            </a:r>
             <a:endParaRPr/>
           </a:p>
         </p:txBody>
       </p:sp>
     </p:spTree>
+    <p:extLst>
+      <p:ext uri="{BB962C8B-B14F-4D97-AF65-F5344CB8AC3E}">
+        <p14:creationId xmlns:p14="http://schemas.microsoft.com/office/powerpoint/2010/main" val="3709388739"/>
+      </p:ext>
+    </p:extLst>
   </p:cSld>
   <p:clrMapOvr>
     <a:masterClrMapping/>
@@ -765,11 +933,11 @@
 </file>
 
 <file path=ppt/notesSlides/notesSlide5.xml><?xml version="1.0" encoding="utf-8"?>
-<p:notes xmlns:a="http://schemas.openxmlformats.org/drawingml/2006/main" xmlns:r="http://schemas.openxmlformats.org/officeDocument/2006/relationships" xmlns:mc="http://schemas.openxmlformats.org/markup-compatibility/2006" xmlns:mv="urn:schemas-microsoft-com:mac:vml" xmlns:p="http://schemas.openxmlformats.org/presentationml/2006/main" xmlns:c="http://schemas.openxmlformats.org/drawingml/2006/chart" xmlns:dgm="http://schemas.openxmlformats.org/drawingml/2006/diagram" xmlns:o="urn:schemas-microsoft-com:office:office" xmlns:v="urn:schemas-microsoft-com:vml" xmlns:pvml="urn:schemas-microsoft-com:office:powerpoint" xmlns:com="http://schemas.openxmlformats.org/drawingml/2006/compatibility" xmlns:p14="http://schemas.microsoft.com/office/powerpoint/2010/main" showMasterPhAnim="0" showMasterSp="0">
+<p:notes xmlns:a="http://schemas.openxmlformats.org/drawingml/2006/main" xmlns:r="http://schemas.openxmlformats.org/officeDocument/2006/relationships" xmlns:p="http://schemas.openxmlformats.org/presentationml/2006/main" showMasterSp="0" showMasterPhAnim="0">
   <p:cSld>
     <p:spTree>
       <p:nvGrpSpPr>
-        <p:cNvPr id="78" name="Shape 78"/>
+        <p:cNvPr id="1" name="Shape 78"/>
         <p:cNvGrpSpPr/>
         <p:nvPr/>
       </p:nvGrpSpPr>
@@ -784,9 +952,11 @@
       <p:sp>
         <p:nvSpPr>
           <p:cNvPr id="79" name="Shape 79"/>
-          <p:cNvSpPr/>
+          <p:cNvSpPr>
+            <a:spLocks noGrp="1" noRot="1" noChangeAspect="1"/>
+          </p:cNvSpPr>
           <p:nvPr>
-            <p:ph idx="2" type="sldImg"/>
+            <p:ph type="sldImg" idx="2"/>
           </p:nvPr>
         </p:nvSpPr>
         <p:spPr>
@@ -795,8 +965,13 @@
             <a:ext cx="6096000" cy="3429000"/>
           </a:xfrm>
           <a:custGeom>
+            <a:avLst/>
+            <a:gdLst/>
+            <a:ahLst/>
+            <a:cxnLst/>
+            <a:rect l="0" t="0" r="0" b="0"/>
             <a:pathLst>
-              <a:path extrusionOk="0" h="120000" w="120000">
+              <a:path w="120000" h="120000" extrusionOk="0">
                 <a:moveTo>
                   <a:pt x="0" y="0"/>
                 </a:moveTo>
@@ -818,9 +993,11 @@
       <p:sp>
         <p:nvSpPr>
           <p:cNvPr id="80" name="Shape 80"/>
-          <p:cNvSpPr txBox="1"/>
+          <p:cNvSpPr txBox="1">
+            <a:spLocks noGrp="1"/>
+          </p:cNvSpPr>
           <p:nvPr>
-            <p:ph idx="1" type="body"/>
+            <p:ph type="body" idx="1"/>
           </p:nvPr>
         </p:nvSpPr>
         <p:spPr>
@@ -833,7 +1010,7 @@
           </a:prstGeom>
         </p:spPr>
         <p:txBody>
-          <a:bodyPr anchorCtr="0" anchor="t" bIns="91425" lIns="91425" rIns="91425" tIns="91425">
+          <a:bodyPr lIns="91425" tIns="91425" rIns="91425" bIns="91425" anchor="t" anchorCtr="0">
             <a:noAutofit/>
           </a:bodyPr>
           <a:lstStyle/>
@@ -844,14 +1021,16 @@
               </a:spcBef>
               <a:buNone/>
             </a:pPr>
-            <a:r>
-              <a:t/>
-            </a:r>
             <a:endParaRPr/>
           </a:p>
         </p:txBody>
       </p:sp>
     </p:spTree>
+    <p:extLst>
+      <p:ext uri="{BB962C8B-B14F-4D97-AF65-F5344CB8AC3E}">
+        <p14:creationId xmlns:p14="http://schemas.microsoft.com/office/powerpoint/2010/main" val="2347687223"/>
+      </p:ext>
+    </p:extLst>
   </p:cSld>
   <p:clrMapOvr>
     <a:masterClrMapping/>
@@ -860,11 +1039,11 @@
 </file>
 
 <file path=ppt/notesSlides/notesSlide6.xml><?xml version="1.0" encoding="utf-8"?>
-<p:notes xmlns:a="http://schemas.openxmlformats.org/drawingml/2006/main" xmlns:r="http://schemas.openxmlformats.org/officeDocument/2006/relationships" xmlns:mc="http://schemas.openxmlformats.org/markup-compatibility/2006" xmlns:mv="urn:schemas-microsoft-com:mac:vml" xmlns:p="http://schemas.openxmlformats.org/presentationml/2006/main" xmlns:c="http://schemas.openxmlformats.org/drawingml/2006/chart" xmlns:dgm="http://schemas.openxmlformats.org/drawingml/2006/diagram" xmlns:o="urn:schemas-microsoft-com:office:office" xmlns:v="urn:schemas-microsoft-com:vml" xmlns:pvml="urn:schemas-microsoft-com:office:powerpoint" xmlns:com="http://schemas.openxmlformats.org/drawingml/2006/compatibility" xmlns:p14="http://schemas.microsoft.com/office/powerpoint/2010/main" showMasterPhAnim="0" showMasterSp="0">
+<p:notes xmlns:a="http://schemas.openxmlformats.org/drawingml/2006/main" xmlns:r="http://schemas.openxmlformats.org/officeDocument/2006/relationships" xmlns:p="http://schemas.openxmlformats.org/presentationml/2006/main" showMasterSp="0" showMasterPhAnim="0">
   <p:cSld>
     <p:spTree>
       <p:nvGrpSpPr>
-        <p:cNvPr id="84" name="Shape 84"/>
+        <p:cNvPr id="1" name="Shape 84"/>
         <p:cNvGrpSpPr/>
         <p:nvPr/>
       </p:nvGrpSpPr>
@@ -879,9 +1058,11 @@
       <p:sp>
         <p:nvSpPr>
           <p:cNvPr id="85" name="Shape 85"/>
-          <p:cNvSpPr/>
+          <p:cNvSpPr>
+            <a:spLocks noGrp="1" noRot="1" noChangeAspect="1"/>
+          </p:cNvSpPr>
           <p:nvPr>
-            <p:ph idx="2" type="sldImg"/>
+            <p:ph type="sldImg" idx="2"/>
           </p:nvPr>
         </p:nvSpPr>
         <p:spPr>
@@ -890,8 +1071,13 @@
             <a:ext cx="6096000" cy="3429000"/>
           </a:xfrm>
           <a:custGeom>
+            <a:avLst/>
+            <a:gdLst/>
+            <a:ahLst/>
+            <a:cxnLst/>
+            <a:rect l="0" t="0" r="0" b="0"/>
             <a:pathLst>
-              <a:path extrusionOk="0" h="120000" w="120000">
+              <a:path w="120000" h="120000" extrusionOk="0">
                 <a:moveTo>
                   <a:pt x="0" y="0"/>
                 </a:moveTo>
@@ -913,9 +1099,11 @@
       <p:sp>
         <p:nvSpPr>
           <p:cNvPr id="86" name="Shape 86"/>
-          <p:cNvSpPr txBox="1"/>
+          <p:cNvSpPr txBox="1">
+            <a:spLocks noGrp="1"/>
+          </p:cNvSpPr>
           <p:nvPr>
-            <p:ph idx="1" type="body"/>
+            <p:ph type="body" idx="1"/>
           </p:nvPr>
         </p:nvSpPr>
         <p:spPr>
@@ -928,7 +1116,7 @@
           </a:prstGeom>
         </p:spPr>
         <p:txBody>
-          <a:bodyPr anchorCtr="0" anchor="t" bIns="91425" lIns="91425" rIns="91425" tIns="91425">
+          <a:bodyPr lIns="91425" tIns="91425" rIns="91425" bIns="91425" anchor="t" anchorCtr="0">
             <a:noAutofit/>
           </a:bodyPr>
           <a:lstStyle/>
@@ -939,14 +1127,16 @@
               </a:spcBef>
               <a:buNone/>
             </a:pPr>
-            <a:r>
-              <a:t/>
-            </a:r>
             <a:endParaRPr/>
           </a:p>
         </p:txBody>
       </p:sp>
     </p:spTree>
+    <p:extLst>
+      <p:ext uri="{BB962C8B-B14F-4D97-AF65-F5344CB8AC3E}">
+        <p14:creationId xmlns:p14="http://schemas.microsoft.com/office/powerpoint/2010/main" val="4287422440"/>
+      </p:ext>
+    </p:extLst>
   </p:cSld>
   <p:clrMapOvr>
     <a:masterClrMapping/>
@@ -955,11 +1145,11 @@
 </file>
 
 <file path=ppt/notesSlides/notesSlide7.xml><?xml version="1.0" encoding="utf-8"?>
-<p:notes xmlns:a="http://schemas.openxmlformats.org/drawingml/2006/main" xmlns:r="http://schemas.openxmlformats.org/officeDocument/2006/relationships" xmlns:mc="http://schemas.openxmlformats.org/markup-compatibility/2006" xmlns:mv="urn:schemas-microsoft-com:mac:vml" xmlns:p="http://schemas.openxmlformats.org/presentationml/2006/main" xmlns:c="http://schemas.openxmlformats.org/drawingml/2006/chart" xmlns:dgm="http://schemas.openxmlformats.org/drawingml/2006/diagram" xmlns:o="urn:schemas-microsoft-com:office:office" xmlns:v="urn:schemas-microsoft-com:vml" xmlns:pvml="urn:schemas-microsoft-com:office:powerpoint" xmlns:com="http://schemas.openxmlformats.org/drawingml/2006/compatibility" xmlns:p14="http://schemas.microsoft.com/office/powerpoint/2010/main" showMasterPhAnim="0" showMasterSp="0">
+<p:notes xmlns:a="http://schemas.openxmlformats.org/drawingml/2006/main" xmlns:r="http://schemas.openxmlformats.org/officeDocument/2006/relationships" xmlns:p="http://schemas.openxmlformats.org/presentationml/2006/main" showMasterSp="0" showMasterPhAnim="0">
   <p:cSld>
     <p:spTree>
       <p:nvGrpSpPr>
-        <p:cNvPr id="90" name="Shape 90"/>
+        <p:cNvPr id="1" name="Shape 90"/>
         <p:cNvGrpSpPr/>
         <p:nvPr/>
       </p:nvGrpSpPr>
@@ -974,9 +1164,11 @@
       <p:sp>
         <p:nvSpPr>
           <p:cNvPr id="91" name="Shape 91"/>
-          <p:cNvSpPr/>
+          <p:cNvSpPr>
+            <a:spLocks noGrp="1" noRot="1" noChangeAspect="1"/>
+          </p:cNvSpPr>
           <p:nvPr>
-            <p:ph idx="2" type="sldImg"/>
+            <p:ph type="sldImg" idx="2"/>
           </p:nvPr>
         </p:nvSpPr>
         <p:spPr>
@@ -985,8 +1177,13 @@
             <a:ext cx="6096000" cy="3429000"/>
           </a:xfrm>
           <a:custGeom>
+            <a:avLst/>
+            <a:gdLst/>
+            <a:ahLst/>
+            <a:cxnLst/>
+            <a:rect l="0" t="0" r="0" b="0"/>
             <a:pathLst>
-              <a:path extrusionOk="0" h="120000" w="120000">
+              <a:path w="120000" h="120000" extrusionOk="0">
                 <a:moveTo>
                   <a:pt x="0" y="0"/>
                 </a:moveTo>
@@ -1008,9 +1205,11 @@
       <p:sp>
         <p:nvSpPr>
           <p:cNvPr id="92" name="Shape 92"/>
-          <p:cNvSpPr txBox="1"/>
+          <p:cNvSpPr txBox="1">
+            <a:spLocks noGrp="1"/>
+          </p:cNvSpPr>
           <p:nvPr>
-            <p:ph idx="1" type="body"/>
+            <p:ph type="body" idx="1"/>
           </p:nvPr>
         </p:nvSpPr>
         <p:spPr>
@@ -1023,7 +1222,7 @@
           </a:prstGeom>
         </p:spPr>
         <p:txBody>
-          <a:bodyPr anchorCtr="0" anchor="t" bIns="91425" lIns="91425" rIns="91425" tIns="91425">
+          <a:bodyPr lIns="91425" tIns="91425" rIns="91425" bIns="91425" anchor="t" anchorCtr="0">
             <a:noAutofit/>
           </a:bodyPr>
           <a:lstStyle/>
@@ -1034,14 +1233,16 @@
               </a:spcBef>
               <a:buNone/>
             </a:pPr>
-            <a:r>
-              <a:t/>
-            </a:r>
             <a:endParaRPr/>
           </a:p>
         </p:txBody>
       </p:sp>
     </p:spTree>
+    <p:extLst>
+      <p:ext uri="{BB962C8B-B14F-4D97-AF65-F5344CB8AC3E}">
+        <p14:creationId xmlns:p14="http://schemas.microsoft.com/office/powerpoint/2010/main" val="2362986844"/>
+      </p:ext>
+    </p:extLst>
   </p:cSld>
   <p:clrMapOvr>
     <a:masterClrMapping/>
@@ -1050,18 +1251,19 @@
 </file>
 
 <file path=ppt/slideLayouts/slideLayout1.xml><?xml version="1.0" encoding="utf-8"?>
-<p:sldLayout xmlns:a="http://schemas.openxmlformats.org/drawingml/2006/main" xmlns:r="http://schemas.openxmlformats.org/officeDocument/2006/relationships" xmlns:mc="http://schemas.openxmlformats.org/markup-compatibility/2006" xmlns:mv="urn:schemas-microsoft-com:mac:vml" xmlns:p="http://schemas.openxmlformats.org/presentationml/2006/main" xmlns:c="http://schemas.openxmlformats.org/drawingml/2006/chart" xmlns:dgm="http://schemas.openxmlformats.org/drawingml/2006/diagram" xmlns:o="urn:schemas-microsoft-com:office:office" xmlns:v="urn:schemas-microsoft-com:vml" xmlns:pvml="urn:schemas-microsoft-com:office:powerpoint" xmlns:com="http://schemas.openxmlformats.org/drawingml/2006/compatibility" xmlns:p14="http://schemas.microsoft.com/office/powerpoint/2010/main" type="title">
+<p:sldLayout xmlns:a="http://schemas.openxmlformats.org/drawingml/2006/main" xmlns:r="http://schemas.openxmlformats.org/officeDocument/2006/relationships" xmlns:p="http://schemas.openxmlformats.org/presentationml/2006/main" type="title">
   <p:cSld name="Title slide">
     <p:bg>
       <p:bgPr>
         <a:solidFill>
           <a:schemeClr val="dk1"/>
         </a:solidFill>
+        <a:effectLst/>
       </p:bgPr>
     </p:bg>
     <p:spTree>
       <p:nvGrpSpPr>
-        <p:cNvPr id="9" name="Shape 9"/>
+        <p:cNvPr id="1" name="Shape 9"/>
         <p:cNvGrpSpPr/>
         <p:nvPr/>
       </p:nvGrpSpPr>
@@ -1095,7 +1297,7 @@
           </a:ln>
         </p:spPr>
         <p:txBody>
-          <a:bodyPr anchorCtr="0" anchor="ctr" bIns="91425" lIns="91425" rIns="91425" tIns="91425">
+          <a:bodyPr lIns="91425" tIns="91425" rIns="91425" bIns="91425" anchor="ctr" anchorCtr="0">
             <a:noAutofit/>
           </a:bodyPr>
           <a:lstStyle/>
@@ -1106,9 +1308,6 @@
               </a:spcBef>
               <a:buNone/>
             </a:pPr>
-            <a:r>
-              <a:t/>
-            </a:r>
             <a:endParaRPr/>
           </a:p>
         </p:txBody>
@@ -1116,7 +1315,9 @@
       <p:sp>
         <p:nvSpPr>
           <p:cNvPr id="11" name="Shape 11"/>
-          <p:cNvSpPr txBox="1"/>
+          <p:cNvSpPr txBox="1">
+            <a:spLocks noGrp="1"/>
+          </p:cNvSpPr>
           <p:nvPr>
             <p:ph type="ctrTitle"/>
           </p:nvPr>
@@ -1131,7 +1332,7 @@
           </a:prstGeom>
         </p:spPr>
         <p:txBody>
-          <a:bodyPr anchorCtr="0" anchor="ctr" bIns="91425" lIns="91425" rIns="91425" tIns="91425"/>
+          <a:bodyPr lIns="91425" tIns="91425" rIns="91425" bIns="91425" anchor="ctr" anchorCtr="0"/>
           <a:lstStyle>
             <a:lvl1pPr lvl="0" algn="ctr">
               <a:spcBef>
@@ -1197,15 +1398,19 @@
               <a:defRPr sz="8000"/>
             </a:lvl9pPr>
           </a:lstStyle>
-          <a:p/>
+          <a:p>
+            <a:endParaRPr/>
+          </a:p>
         </p:txBody>
       </p:sp>
       <p:sp>
         <p:nvSpPr>
           <p:cNvPr id="12" name="Shape 12"/>
-          <p:cNvSpPr txBox="1"/>
+          <p:cNvSpPr txBox="1">
+            <a:spLocks noGrp="1"/>
+          </p:cNvSpPr>
           <p:nvPr>
-            <p:ph idx="1" type="subTitle"/>
+            <p:ph type="subTitle" idx="1"/>
           </p:nvPr>
         </p:nvSpPr>
         <p:spPr>
@@ -1218,7 +1423,7 @@
           </a:prstGeom>
         </p:spPr>
         <p:txBody>
-          <a:bodyPr anchorCtr="0" anchor="ctr" bIns="91425" lIns="91425" rIns="91425" tIns="91425"/>
+          <a:bodyPr lIns="91425" tIns="91425" rIns="91425" bIns="91425" anchor="ctr" anchorCtr="0"/>
           <a:lstStyle>
             <a:lvl1pPr lvl="0" algn="ctr">
               <a:lnSpc>
@@ -1235,7 +1440,7 @@
               </a:buClr>
               <a:buSzPct val="100000"/>
               <a:buNone/>
-              <a:defRPr b="1" sz="2100">
+              <a:defRPr sz="2100" b="1">
                 <a:solidFill>
                   <a:schemeClr val="accent1"/>
                 </a:solidFill>
@@ -1256,7 +1461,7 @@
               </a:buClr>
               <a:buSzPct val="100000"/>
               <a:buNone/>
-              <a:defRPr b="1" sz="2100">
+              <a:defRPr sz="2100" b="1">
                 <a:solidFill>
                   <a:schemeClr val="accent1"/>
                 </a:solidFill>
@@ -1277,7 +1482,7 @@
               </a:buClr>
               <a:buSzPct val="100000"/>
               <a:buNone/>
-              <a:defRPr b="1" sz="2100">
+              <a:defRPr sz="2100" b="1">
                 <a:solidFill>
                   <a:schemeClr val="accent1"/>
                 </a:solidFill>
@@ -1298,7 +1503,7 @@
               </a:buClr>
               <a:buSzPct val="100000"/>
               <a:buNone/>
-              <a:defRPr b="1" sz="2100">
+              <a:defRPr sz="2100" b="1">
                 <a:solidFill>
                   <a:schemeClr val="accent1"/>
                 </a:solidFill>
@@ -1319,7 +1524,7 @@
               </a:buClr>
               <a:buSzPct val="100000"/>
               <a:buNone/>
-              <a:defRPr b="1" sz="2100">
+              <a:defRPr sz="2100" b="1">
                 <a:solidFill>
                   <a:schemeClr val="accent1"/>
                 </a:solidFill>
@@ -1340,7 +1545,7 @@
               </a:buClr>
               <a:buSzPct val="100000"/>
               <a:buNone/>
-              <a:defRPr b="1" sz="2100">
+              <a:defRPr sz="2100" b="1">
                 <a:solidFill>
                   <a:schemeClr val="accent1"/>
                 </a:solidFill>
@@ -1361,7 +1566,7 @@
               </a:buClr>
               <a:buSzPct val="100000"/>
               <a:buNone/>
-              <a:defRPr b="1" sz="2100">
+              <a:defRPr sz="2100" b="1">
                 <a:solidFill>
                   <a:schemeClr val="accent1"/>
                 </a:solidFill>
@@ -1382,7 +1587,7 @@
               </a:buClr>
               <a:buSzPct val="100000"/>
               <a:buNone/>
-              <a:defRPr b="1" sz="2100">
+              <a:defRPr sz="2100" b="1">
                 <a:solidFill>
                   <a:schemeClr val="accent1"/>
                 </a:solidFill>
@@ -1403,22 +1608,26 @@
               </a:buClr>
               <a:buSzPct val="100000"/>
               <a:buNone/>
-              <a:defRPr b="1" sz="2100">
+              <a:defRPr sz="2100" b="1">
                 <a:solidFill>
                   <a:schemeClr val="accent1"/>
                 </a:solidFill>
               </a:defRPr>
             </a:lvl9pPr>
           </a:lstStyle>
-          <a:p/>
+          <a:p>
+            <a:endParaRPr/>
+          </a:p>
         </p:txBody>
       </p:sp>
       <p:sp>
         <p:nvSpPr>
           <p:cNvPr id="13" name="Shape 13"/>
-          <p:cNvSpPr txBox="1"/>
+          <p:cNvSpPr txBox="1">
+            <a:spLocks noGrp="1"/>
+          </p:cNvSpPr>
           <p:nvPr>
-            <p:ph idx="12" type="sldNum"/>
+            <p:ph type="sldNum" idx="12"/>
           </p:nvPr>
         </p:nvSpPr>
         <p:spPr>
@@ -1431,7 +1640,7 @@
           </a:prstGeom>
         </p:spPr>
         <p:txBody>
-          <a:bodyPr anchorCtr="0" anchor="ctr" bIns="91425" lIns="91425" rIns="91425" tIns="91425">
+          <a:bodyPr lIns="91425" tIns="91425" rIns="91425" bIns="91425" anchor="ctr" anchorCtr="0">
             <a:noAutofit/>
           </a:bodyPr>
           <a:lstStyle/>
@@ -1446,6 +1655,7 @@
               <a:rPr lang="en"/>
               <a:t>‹#›</a:t>
             </a:fld>
+            <a:endParaRPr lang="en"/>
           </a:p>
         </p:txBody>
       </p:sp>
@@ -1458,11 +1668,11 @@
 </file>
 
 <file path=ppt/slideLayouts/slideLayout10.xml><?xml version="1.0" encoding="utf-8"?>
-<p:sldLayout xmlns:a="http://schemas.openxmlformats.org/drawingml/2006/main" xmlns:r="http://schemas.openxmlformats.org/officeDocument/2006/relationships" xmlns:mc="http://schemas.openxmlformats.org/markup-compatibility/2006" xmlns:mv="urn:schemas-microsoft-com:mac:vml" xmlns:p="http://schemas.openxmlformats.org/presentationml/2006/main" xmlns:c="http://schemas.openxmlformats.org/drawingml/2006/chart" xmlns:dgm="http://schemas.openxmlformats.org/drawingml/2006/diagram" xmlns:o="urn:schemas-microsoft-com:office:office" xmlns:v="urn:schemas-microsoft-com:vml" xmlns:pvml="urn:schemas-microsoft-com:office:powerpoint" xmlns:com="http://schemas.openxmlformats.org/drawingml/2006/compatibility" xmlns:p14="http://schemas.microsoft.com/office/powerpoint/2010/main">
+<p:sldLayout xmlns:a="http://schemas.openxmlformats.org/drawingml/2006/main" xmlns:r="http://schemas.openxmlformats.org/officeDocument/2006/relationships" xmlns:p="http://schemas.openxmlformats.org/presentationml/2006/main">
   <p:cSld name="Big number">
     <p:spTree>
       <p:nvGrpSpPr>
-        <p:cNvPr id="46" name="Shape 46"/>
+        <p:cNvPr id="1" name="Shape 46"/>
         <p:cNvGrpSpPr/>
         <p:nvPr/>
       </p:nvGrpSpPr>
@@ -1477,7 +1687,9 @@
       <p:sp>
         <p:nvSpPr>
           <p:cNvPr id="47" name="Shape 47"/>
-          <p:cNvSpPr txBox="1"/>
+          <p:cNvSpPr txBox="1">
+            <a:spLocks noGrp="1"/>
+          </p:cNvSpPr>
           <p:nvPr>
             <p:ph type="title"/>
           </p:nvPr>
@@ -1492,7 +1704,7 @@
           </a:prstGeom>
         </p:spPr>
         <p:txBody>
-          <a:bodyPr anchorCtr="0" anchor="b" bIns="91425" lIns="91425" rIns="91425" tIns="91425"/>
+          <a:bodyPr lIns="91425" tIns="91425" rIns="91425" bIns="91425" anchor="b" anchorCtr="0"/>
           <a:lstStyle>
             <a:lvl1pPr lvl="0" algn="ctr">
               <a:spcBef>
@@ -1621,15 +1833,19 @@
               </a:defRPr>
             </a:lvl9pPr>
           </a:lstStyle>
-          <a:p/>
+          <a:p>
+            <a:endParaRPr/>
+          </a:p>
         </p:txBody>
       </p:sp>
       <p:sp>
         <p:nvSpPr>
           <p:cNvPr id="48" name="Shape 48"/>
-          <p:cNvSpPr txBox="1"/>
+          <p:cNvSpPr txBox="1">
+            <a:spLocks noGrp="1"/>
+          </p:cNvSpPr>
           <p:nvPr>
-            <p:ph idx="1" type="body"/>
+            <p:ph type="body" idx="1"/>
           </p:nvPr>
         </p:nvSpPr>
         <p:spPr>
@@ -1642,7 +1858,7 @@
           </a:prstGeom>
         </p:spPr>
         <p:txBody>
-          <a:bodyPr anchorCtr="0" anchor="t" bIns="91425" lIns="91425" rIns="91425" tIns="91425"/>
+          <a:bodyPr lIns="91425" tIns="91425" rIns="91425" bIns="91425" anchor="t" anchorCtr="0"/>
           <a:lstStyle>
             <a:lvl1pPr lvl="0" algn="ctr">
               <a:spcBef>
@@ -1762,15 +1978,19 @@
               </a:defRPr>
             </a:lvl9pPr>
           </a:lstStyle>
-          <a:p/>
+          <a:p>
+            <a:endParaRPr/>
+          </a:p>
         </p:txBody>
       </p:sp>
       <p:sp>
         <p:nvSpPr>
           <p:cNvPr id="49" name="Shape 49"/>
-          <p:cNvSpPr txBox="1"/>
+          <p:cNvSpPr txBox="1">
+            <a:spLocks noGrp="1"/>
+          </p:cNvSpPr>
           <p:nvPr>
-            <p:ph idx="12" type="sldNum"/>
+            <p:ph type="sldNum" idx="12"/>
           </p:nvPr>
         </p:nvSpPr>
         <p:spPr>
@@ -1783,7 +2003,7 @@
           </a:prstGeom>
         </p:spPr>
         <p:txBody>
-          <a:bodyPr anchorCtr="0" anchor="ctr" bIns="91425" lIns="91425" rIns="91425" tIns="91425">
+          <a:bodyPr lIns="91425" tIns="91425" rIns="91425" bIns="91425" anchor="ctr" anchorCtr="0">
             <a:noAutofit/>
           </a:bodyPr>
           <a:lstStyle/>
@@ -1798,6 +2018,7 @@
               <a:rPr lang="en"/>
               <a:t>‹#›</a:t>
             </a:fld>
+            <a:endParaRPr lang="en"/>
           </a:p>
         </p:txBody>
       </p:sp>
@@ -1810,11 +2031,11 @@
 </file>
 
 <file path=ppt/slideLayouts/slideLayout11.xml><?xml version="1.0" encoding="utf-8"?>
-<p:sldLayout xmlns:a="http://schemas.openxmlformats.org/drawingml/2006/main" xmlns:r="http://schemas.openxmlformats.org/officeDocument/2006/relationships" xmlns:mc="http://schemas.openxmlformats.org/markup-compatibility/2006" xmlns:mv="urn:schemas-microsoft-com:mac:vml" xmlns:p="http://schemas.openxmlformats.org/presentationml/2006/main" xmlns:c="http://schemas.openxmlformats.org/drawingml/2006/chart" xmlns:dgm="http://schemas.openxmlformats.org/drawingml/2006/diagram" xmlns:o="urn:schemas-microsoft-com:office:office" xmlns:v="urn:schemas-microsoft-com:vml" xmlns:pvml="urn:schemas-microsoft-com:office:powerpoint" xmlns:com="http://schemas.openxmlformats.org/drawingml/2006/compatibility" xmlns:p14="http://schemas.microsoft.com/office/powerpoint/2010/main" type="blank">
+<p:sldLayout xmlns:a="http://schemas.openxmlformats.org/drawingml/2006/main" xmlns:r="http://schemas.openxmlformats.org/officeDocument/2006/relationships" xmlns:p="http://schemas.openxmlformats.org/presentationml/2006/main" type="blank">
   <p:cSld name="Blank">
     <p:spTree>
       <p:nvGrpSpPr>
-        <p:cNvPr id="50" name="Shape 50"/>
+        <p:cNvPr id="1" name="Shape 50"/>
         <p:cNvGrpSpPr/>
         <p:nvPr/>
       </p:nvGrpSpPr>
@@ -1829,9 +2050,11 @@
       <p:sp>
         <p:nvSpPr>
           <p:cNvPr id="51" name="Shape 51"/>
-          <p:cNvSpPr txBox="1"/>
+          <p:cNvSpPr txBox="1">
+            <a:spLocks noGrp="1"/>
+          </p:cNvSpPr>
           <p:nvPr>
-            <p:ph idx="12" type="sldNum"/>
+            <p:ph type="sldNum" idx="12"/>
           </p:nvPr>
         </p:nvSpPr>
         <p:spPr>
@@ -1844,7 +2067,7 @@
           </a:prstGeom>
         </p:spPr>
         <p:txBody>
-          <a:bodyPr anchorCtr="0" anchor="ctr" bIns="91425" lIns="91425" rIns="91425" tIns="91425">
+          <a:bodyPr lIns="91425" tIns="91425" rIns="91425" bIns="91425" anchor="ctr" anchorCtr="0">
             <a:noAutofit/>
           </a:bodyPr>
           <a:lstStyle/>
@@ -1859,6 +2082,7 @@
               <a:rPr lang="en"/>
               <a:t>‹#›</a:t>
             </a:fld>
+            <a:endParaRPr lang="en"/>
           </a:p>
         </p:txBody>
       </p:sp>
@@ -1871,18 +2095,19 @@
 </file>
 
 <file path=ppt/slideLayouts/slideLayout2.xml><?xml version="1.0" encoding="utf-8"?>
-<p:sldLayout xmlns:a="http://schemas.openxmlformats.org/drawingml/2006/main" xmlns:r="http://schemas.openxmlformats.org/officeDocument/2006/relationships" xmlns:mc="http://schemas.openxmlformats.org/markup-compatibility/2006" xmlns:mv="urn:schemas-microsoft-com:mac:vml" xmlns:p="http://schemas.openxmlformats.org/presentationml/2006/main" xmlns:c="http://schemas.openxmlformats.org/drawingml/2006/chart" xmlns:dgm="http://schemas.openxmlformats.org/drawingml/2006/diagram" xmlns:o="urn:schemas-microsoft-com:office:office" xmlns:v="urn:schemas-microsoft-com:vml" xmlns:pvml="urn:schemas-microsoft-com:office:powerpoint" xmlns:com="http://schemas.openxmlformats.org/drawingml/2006/compatibility" xmlns:p14="http://schemas.microsoft.com/office/powerpoint/2010/main" type="secHead">
+<p:sldLayout xmlns:a="http://schemas.openxmlformats.org/drawingml/2006/main" xmlns:r="http://schemas.openxmlformats.org/officeDocument/2006/relationships" xmlns:p="http://schemas.openxmlformats.org/presentationml/2006/main" type="secHead">
   <p:cSld name="Section header">
     <p:bg>
       <p:bgPr>
         <a:solidFill>
           <a:schemeClr val="dk1"/>
         </a:solidFill>
+        <a:effectLst/>
       </p:bgPr>
     </p:bg>
     <p:spTree>
       <p:nvGrpSpPr>
-        <p:cNvPr id="14" name="Shape 14"/>
+        <p:cNvPr id="1" name="Shape 14"/>
         <p:cNvGrpSpPr/>
         <p:nvPr/>
       </p:nvGrpSpPr>
@@ -1897,7 +2122,9 @@
       <p:sp>
         <p:nvSpPr>
           <p:cNvPr id="15" name="Shape 15"/>
-          <p:cNvSpPr txBox="1"/>
+          <p:cNvSpPr txBox="1">
+            <a:spLocks noGrp="1"/>
+          </p:cNvSpPr>
           <p:nvPr>
             <p:ph type="title"/>
           </p:nvPr>
@@ -1915,7 +2142,7 @@
           </a:solidFill>
         </p:spPr>
         <p:txBody>
-          <a:bodyPr anchorCtr="0" anchor="ctr" bIns="91425" lIns="91425" rIns="91425" tIns="91425"/>
+          <a:bodyPr lIns="91425" tIns="91425" rIns="91425" bIns="91425" anchor="ctr" anchorCtr="0"/>
           <a:lstStyle>
             <a:lvl1pPr lvl="0" algn="ctr">
               <a:spcBef>
@@ -1981,15 +2208,19 @@
               <a:defRPr sz="4800"/>
             </a:lvl9pPr>
           </a:lstStyle>
-          <a:p/>
+          <a:p>
+            <a:endParaRPr/>
+          </a:p>
         </p:txBody>
       </p:sp>
       <p:sp>
         <p:nvSpPr>
           <p:cNvPr id="16" name="Shape 16"/>
-          <p:cNvSpPr txBox="1"/>
+          <p:cNvSpPr txBox="1">
+            <a:spLocks noGrp="1"/>
+          </p:cNvSpPr>
           <p:nvPr>
-            <p:ph idx="12" type="sldNum"/>
+            <p:ph type="sldNum" idx="12"/>
           </p:nvPr>
         </p:nvSpPr>
         <p:spPr>
@@ -2002,7 +2233,7 @@
           </a:prstGeom>
         </p:spPr>
         <p:txBody>
-          <a:bodyPr anchorCtr="0" anchor="ctr" bIns="91425" lIns="91425" rIns="91425" tIns="91425">
+          <a:bodyPr lIns="91425" tIns="91425" rIns="91425" bIns="91425" anchor="ctr" anchorCtr="0">
             <a:noAutofit/>
           </a:bodyPr>
           <a:lstStyle/>
@@ -2017,6 +2248,7 @@
               <a:rPr lang="en"/>
               <a:t>‹#›</a:t>
             </a:fld>
+            <a:endParaRPr lang="en"/>
           </a:p>
         </p:txBody>
       </p:sp>
@@ -2029,11 +2261,11 @@
 </file>
 
 <file path=ppt/slideLayouts/slideLayout3.xml><?xml version="1.0" encoding="utf-8"?>
-<p:sldLayout xmlns:a="http://schemas.openxmlformats.org/drawingml/2006/main" xmlns:r="http://schemas.openxmlformats.org/officeDocument/2006/relationships" xmlns:mc="http://schemas.openxmlformats.org/markup-compatibility/2006" xmlns:mv="urn:schemas-microsoft-com:mac:vml" xmlns:p="http://schemas.openxmlformats.org/presentationml/2006/main" xmlns:c="http://schemas.openxmlformats.org/drawingml/2006/chart" xmlns:dgm="http://schemas.openxmlformats.org/drawingml/2006/diagram" xmlns:o="urn:schemas-microsoft-com:office:office" xmlns:v="urn:schemas-microsoft-com:vml" xmlns:pvml="urn:schemas-microsoft-com:office:powerpoint" xmlns:com="http://schemas.openxmlformats.org/drawingml/2006/compatibility" xmlns:p14="http://schemas.microsoft.com/office/powerpoint/2010/main" type="tx">
+<p:sldLayout xmlns:a="http://schemas.openxmlformats.org/drawingml/2006/main" xmlns:r="http://schemas.openxmlformats.org/officeDocument/2006/relationships" xmlns:p="http://schemas.openxmlformats.org/presentationml/2006/main" type="tx">
   <p:cSld name="Title and body">
     <p:spTree>
       <p:nvGrpSpPr>
-        <p:cNvPr id="17" name="Shape 17"/>
+        <p:cNvPr id="1" name="Shape 17"/>
         <p:cNvGrpSpPr/>
         <p:nvPr/>
       </p:nvGrpSpPr>
@@ -2048,7 +2280,9 @@
       <p:sp>
         <p:nvSpPr>
           <p:cNvPr id="18" name="Shape 18"/>
-          <p:cNvSpPr txBox="1"/>
+          <p:cNvSpPr txBox="1">
+            <a:spLocks noGrp="1"/>
+          </p:cNvSpPr>
           <p:nvPr>
             <p:ph type="title"/>
           </p:nvPr>
@@ -2063,7 +2297,7 @@
           </a:prstGeom>
         </p:spPr>
         <p:txBody>
-          <a:bodyPr anchorCtr="0" anchor="t" bIns="91425" lIns="91425" rIns="91425" tIns="91425"/>
+          <a:bodyPr lIns="91425" tIns="91425" rIns="91425" bIns="91425" anchor="t" anchorCtr="0"/>
           <a:lstStyle>
             <a:lvl1pPr lvl="0">
               <a:spcBef>
@@ -2120,15 +2354,19 @@
               <a:defRPr/>
             </a:lvl9pPr>
           </a:lstStyle>
-          <a:p/>
+          <a:p>
+            <a:endParaRPr/>
+          </a:p>
         </p:txBody>
       </p:sp>
       <p:sp>
         <p:nvSpPr>
           <p:cNvPr id="19" name="Shape 19"/>
-          <p:cNvSpPr txBox="1"/>
+          <p:cNvSpPr txBox="1">
+            <a:spLocks noGrp="1"/>
+          </p:cNvSpPr>
           <p:nvPr>
-            <p:ph idx="1" type="body"/>
+            <p:ph type="body" idx="1"/>
           </p:nvPr>
         </p:nvSpPr>
         <p:spPr>
@@ -2141,7 +2379,7 @@
           </a:prstGeom>
         </p:spPr>
         <p:txBody>
-          <a:bodyPr anchorCtr="0" anchor="t" bIns="91425" lIns="91425" rIns="91425" tIns="91425"/>
+          <a:bodyPr lIns="91425" tIns="91425" rIns="91425" bIns="91425" anchor="t" anchorCtr="0"/>
           <a:lstStyle>
             <a:lvl1pPr lvl="0">
               <a:spcBef>
@@ -2198,15 +2436,19 @@
               <a:defRPr/>
             </a:lvl9pPr>
           </a:lstStyle>
-          <a:p/>
+          <a:p>
+            <a:endParaRPr/>
+          </a:p>
         </p:txBody>
       </p:sp>
       <p:sp>
         <p:nvSpPr>
           <p:cNvPr id="20" name="Shape 20"/>
-          <p:cNvSpPr txBox="1"/>
+          <p:cNvSpPr txBox="1">
+            <a:spLocks noGrp="1"/>
+          </p:cNvSpPr>
           <p:nvPr>
-            <p:ph idx="12" type="sldNum"/>
+            <p:ph type="sldNum" idx="12"/>
           </p:nvPr>
         </p:nvSpPr>
         <p:spPr>
@@ -2219,7 +2461,7 @@
           </a:prstGeom>
         </p:spPr>
         <p:txBody>
-          <a:bodyPr anchorCtr="0" anchor="ctr" bIns="91425" lIns="91425" rIns="91425" tIns="91425">
+          <a:bodyPr lIns="91425" tIns="91425" rIns="91425" bIns="91425" anchor="ctr" anchorCtr="0">
             <a:noAutofit/>
           </a:bodyPr>
           <a:lstStyle/>
@@ -2234,6 +2476,7 @@
               <a:rPr lang="en"/>
               <a:t>‹#›</a:t>
             </a:fld>
+            <a:endParaRPr lang="en"/>
           </a:p>
         </p:txBody>
       </p:sp>
@@ -2246,11 +2489,11 @@
 </file>
 
 <file path=ppt/slideLayouts/slideLayout4.xml><?xml version="1.0" encoding="utf-8"?>
-<p:sldLayout xmlns:a="http://schemas.openxmlformats.org/drawingml/2006/main" xmlns:r="http://schemas.openxmlformats.org/officeDocument/2006/relationships" xmlns:mc="http://schemas.openxmlformats.org/markup-compatibility/2006" xmlns:mv="urn:schemas-microsoft-com:mac:vml" xmlns:p="http://schemas.openxmlformats.org/presentationml/2006/main" xmlns:c="http://schemas.openxmlformats.org/drawingml/2006/chart" xmlns:dgm="http://schemas.openxmlformats.org/drawingml/2006/diagram" xmlns:o="urn:schemas-microsoft-com:office:office" xmlns:v="urn:schemas-microsoft-com:vml" xmlns:pvml="urn:schemas-microsoft-com:office:powerpoint" xmlns:com="http://schemas.openxmlformats.org/drawingml/2006/compatibility" xmlns:p14="http://schemas.microsoft.com/office/powerpoint/2010/main" type="twoColTx">
+<p:sldLayout xmlns:a="http://schemas.openxmlformats.org/drawingml/2006/main" xmlns:r="http://schemas.openxmlformats.org/officeDocument/2006/relationships" xmlns:p="http://schemas.openxmlformats.org/presentationml/2006/main" type="twoColTx">
   <p:cSld name="Title and two columns">
     <p:spTree>
       <p:nvGrpSpPr>
-        <p:cNvPr id="21" name="Shape 21"/>
+        <p:cNvPr id="1" name="Shape 21"/>
         <p:cNvGrpSpPr/>
         <p:nvPr/>
       </p:nvGrpSpPr>
@@ -2265,7 +2508,9 @@
       <p:sp>
         <p:nvSpPr>
           <p:cNvPr id="22" name="Shape 22"/>
-          <p:cNvSpPr txBox="1"/>
+          <p:cNvSpPr txBox="1">
+            <a:spLocks noGrp="1"/>
+          </p:cNvSpPr>
           <p:nvPr>
             <p:ph type="title"/>
           </p:nvPr>
@@ -2280,7 +2525,7 @@
           </a:prstGeom>
         </p:spPr>
         <p:txBody>
-          <a:bodyPr anchorCtr="0" anchor="t" bIns="91425" lIns="91425" rIns="91425" tIns="91425"/>
+          <a:bodyPr lIns="91425" tIns="91425" rIns="91425" bIns="91425" anchor="t" anchorCtr="0"/>
           <a:lstStyle>
             <a:lvl1pPr lvl="0">
               <a:spcBef>
@@ -2337,15 +2582,19 @@
               <a:defRPr/>
             </a:lvl9pPr>
           </a:lstStyle>
-          <a:p/>
+          <a:p>
+            <a:endParaRPr/>
+          </a:p>
         </p:txBody>
       </p:sp>
       <p:sp>
         <p:nvSpPr>
           <p:cNvPr id="23" name="Shape 23"/>
-          <p:cNvSpPr txBox="1"/>
+          <p:cNvSpPr txBox="1">
+            <a:spLocks noGrp="1"/>
+          </p:cNvSpPr>
           <p:nvPr>
-            <p:ph idx="1" type="body"/>
+            <p:ph type="body" idx="1"/>
           </p:nvPr>
         </p:nvSpPr>
         <p:spPr>
@@ -2358,7 +2607,7 @@
           </a:prstGeom>
         </p:spPr>
         <p:txBody>
-          <a:bodyPr anchorCtr="0" anchor="t" bIns="91425" lIns="91425" rIns="91425" tIns="91425"/>
+          <a:bodyPr lIns="91425" tIns="91425" rIns="91425" bIns="91425" anchor="t" anchorCtr="0"/>
           <a:lstStyle>
             <a:lvl1pPr lvl="0">
               <a:spcBef>
@@ -2424,15 +2673,19 @@
               <a:defRPr sz="1200"/>
             </a:lvl9pPr>
           </a:lstStyle>
-          <a:p/>
+          <a:p>
+            <a:endParaRPr/>
+          </a:p>
         </p:txBody>
       </p:sp>
       <p:sp>
         <p:nvSpPr>
           <p:cNvPr id="24" name="Shape 24"/>
-          <p:cNvSpPr txBox="1"/>
+          <p:cNvSpPr txBox="1">
+            <a:spLocks noGrp="1"/>
+          </p:cNvSpPr>
           <p:nvPr>
-            <p:ph idx="2" type="body"/>
+            <p:ph type="body" idx="2"/>
           </p:nvPr>
         </p:nvSpPr>
         <p:spPr>
@@ -2445,7 +2698,7 @@
           </a:prstGeom>
         </p:spPr>
         <p:txBody>
-          <a:bodyPr anchorCtr="0" anchor="t" bIns="91425" lIns="91425" rIns="91425" tIns="91425"/>
+          <a:bodyPr lIns="91425" tIns="91425" rIns="91425" bIns="91425" anchor="t" anchorCtr="0"/>
           <a:lstStyle>
             <a:lvl1pPr lvl="0">
               <a:spcBef>
@@ -2511,15 +2764,19 @@
               <a:defRPr sz="1200"/>
             </a:lvl9pPr>
           </a:lstStyle>
-          <a:p/>
+          <a:p>
+            <a:endParaRPr/>
+          </a:p>
         </p:txBody>
       </p:sp>
       <p:sp>
         <p:nvSpPr>
           <p:cNvPr id="25" name="Shape 25"/>
-          <p:cNvSpPr txBox="1"/>
+          <p:cNvSpPr txBox="1">
+            <a:spLocks noGrp="1"/>
+          </p:cNvSpPr>
           <p:nvPr>
-            <p:ph idx="12" type="sldNum"/>
+            <p:ph type="sldNum" idx="12"/>
           </p:nvPr>
         </p:nvSpPr>
         <p:spPr>
@@ -2532,7 +2789,7 @@
           </a:prstGeom>
         </p:spPr>
         <p:txBody>
-          <a:bodyPr anchorCtr="0" anchor="ctr" bIns="91425" lIns="91425" rIns="91425" tIns="91425">
+          <a:bodyPr lIns="91425" tIns="91425" rIns="91425" bIns="91425" anchor="ctr" anchorCtr="0">
             <a:noAutofit/>
           </a:bodyPr>
           <a:lstStyle/>
@@ -2547,6 +2804,7 @@
               <a:rPr lang="en"/>
               <a:t>‹#›</a:t>
             </a:fld>
+            <a:endParaRPr lang="en"/>
           </a:p>
         </p:txBody>
       </p:sp>
@@ -2559,11 +2817,11 @@
 </file>
 
 <file path=ppt/slideLayouts/slideLayout5.xml><?xml version="1.0" encoding="utf-8"?>
-<p:sldLayout xmlns:a="http://schemas.openxmlformats.org/drawingml/2006/main" xmlns:r="http://schemas.openxmlformats.org/officeDocument/2006/relationships" xmlns:mc="http://schemas.openxmlformats.org/markup-compatibility/2006" xmlns:mv="urn:schemas-microsoft-com:mac:vml" xmlns:p="http://schemas.openxmlformats.org/presentationml/2006/main" xmlns:c="http://schemas.openxmlformats.org/drawingml/2006/chart" xmlns:dgm="http://schemas.openxmlformats.org/drawingml/2006/diagram" xmlns:o="urn:schemas-microsoft-com:office:office" xmlns:v="urn:schemas-microsoft-com:vml" xmlns:pvml="urn:schemas-microsoft-com:office:powerpoint" xmlns:com="http://schemas.openxmlformats.org/drawingml/2006/compatibility" xmlns:p14="http://schemas.microsoft.com/office/powerpoint/2010/main" type="titleOnly">
+<p:sldLayout xmlns:a="http://schemas.openxmlformats.org/drawingml/2006/main" xmlns:r="http://schemas.openxmlformats.org/officeDocument/2006/relationships" xmlns:p="http://schemas.openxmlformats.org/presentationml/2006/main" type="titleOnly">
   <p:cSld name="Title only">
     <p:spTree>
       <p:nvGrpSpPr>
-        <p:cNvPr id="26" name="Shape 26"/>
+        <p:cNvPr id="1" name="Shape 26"/>
         <p:cNvGrpSpPr/>
         <p:nvPr/>
       </p:nvGrpSpPr>
@@ -2578,7 +2836,9 @@
       <p:sp>
         <p:nvSpPr>
           <p:cNvPr id="27" name="Shape 27"/>
-          <p:cNvSpPr txBox="1"/>
+          <p:cNvSpPr txBox="1">
+            <a:spLocks noGrp="1"/>
+          </p:cNvSpPr>
           <p:nvPr>
             <p:ph type="title"/>
           </p:nvPr>
@@ -2593,7 +2853,7 @@
           </a:prstGeom>
         </p:spPr>
         <p:txBody>
-          <a:bodyPr anchorCtr="0" anchor="t" bIns="91425" lIns="91425" rIns="91425" tIns="91425"/>
+          <a:bodyPr lIns="91425" tIns="91425" rIns="91425" bIns="91425" anchor="t" anchorCtr="0"/>
           <a:lstStyle>
             <a:lvl1pPr lvl="0">
               <a:spcBef>
@@ -2659,15 +2919,19 @@
               <a:defRPr sz="4000"/>
             </a:lvl9pPr>
           </a:lstStyle>
-          <a:p/>
+          <a:p>
+            <a:endParaRPr/>
+          </a:p>
         </p:txBody>
       </p:sp>
       <p:sp>
         <p:nvSpPr>
           <p:cNvPr id="28" name="Shape 28"/>
-          <p:cNvSpPr txBox="1"/>
+          <p:cNvSpPr txBox="1">
+            <a:spLocks noGrp="1"/>
+          </p:cNvSpPr>
           <p:nvPr>
-            <p:ph idx="12" type="sldNum"/>
+            <p:ph type="sldNum" idx="12"/>
           </p:nvPr>
         </p:nvSpPr>
         <p:spPr>
@@ -2680,7 +2944,7 @@
           </a:prstGeom>
         </p:spPr>
         <p:txBody>
-          <a:bodyPr anchorCtr="0" anchor="ctr" bIns="91425" lIns="91425" rIns="91425" tIns="91425">
+          <a:bodyPr lIns="91425" tIns="91425" rIns="91425" bIns="91425" anchor="ctr" anchorCtr="0">
             <a:noAutofit/>
           </a:bodyPr>
           <a:lstStyle/>
@@ -2695,6 +2959,7 @@
               <a:rPr lang="en"/>
               <a:t>‹#›</a:t>
             </a:fld>
+            <a:endParaRPr lang="en"/>
           </a:p>
         </p:txBody>
       </p:sp>
@@ -2707,11 +2972,11 @@
 </file>
 
 <file path=ppt/slideLayouts/slideLayout6.xml><?xml version="1.0" encoding="utf-8"?>
-<p:sldLayout xmlns:a="http://schemas.openxmlformats.org/drawingml/2006/main" xmlns:r="http://schemas.openxmlformats.org/officeDocument/2006/relationships" xmlns:mc="http://schemas.openxmlformats.org/markup-compatibility/2006" xmlns:mv="urn:schemas-microsoft-com:mac:vml" xmlns:p="http://schemas.openxmlformats.org/presentationml/2006/main" xmlns:c="http://schemas.openxmlformats.org/drawingml/2006/chart" xmlns:dgm="http://schemas.openxmlformats.org/drawingml/2006/diagram" xmlns:o="urn:schemas-microsoft-com:office:office" xmlns:v="urn:schemas-microsoft-com:vml" xmlns:pvml="urn:schemas-microsoft-com:office:powerpoint" xmlns:com="http://schemas.openxmlformats.org/drawingml/2006/compatibility" xmlns:p14="http://schemas.microsoft.com/office/powerpoint/2010/main">
+<p:sldLayout xmlns:a="http://schemas.openxmlformats.org/drawingml/2006/main" xmlns:r="http://schemas.openxmlformats.org/officeDocument/2006/relationships" xmlns:p="http://schemas.openxmlformats.org/presentationml/2006/main">
   <p:cSld name="One column text">
     <p:spTree>
       <p:nvGrpSpPr>
-        <p:cNvPr id="29" name="Shape 29"/>
+        <p:cNvPr id="1" name="Shape 29"/>
         <p:cNvGrpSpPr/>
         <p:nvPr/>
       </p:nvGrpSpPr>
@@ -2726,7 +2991,9 @@
       <p:sp>
         <p:nvSpPr>
           <p:cNvPr id="30" name="Shape 30"/>
-          <p:cNvSpPr txBox="1"/>
+          <p:cNvSpPr txBox="1">
+            <a:spLocks noGrp="1"/>
+          </p:cNvSpPr>
           <p:nvPr>
             <p:ph type="title"/>
           </p:nvPr>
@@ -2741,7 +3008,7 @@
           </a:prstGeom>
         </p:spPr>
         <p:txBody>
-          <a:bodyPr anchorCtr="0" anchor="b" bIns="91425" lIns="91425" rIns="91425" tIns="91425"/>
+          <a:bodyPr lIns="91425" tIns="91425" rIns="91425" bIns="91425" anchor="b" anchorCtr="0"/>
           <a:lstStyle>
             <a:lvl1pPr lvl="0">
               <a:spcBef>
@@ -2807,15 +3074,19 @@
               <a:defRPr sz="3000"/>
             </a:lvl9pPr>
           </a:lstStyle>
-          <a:p/>
+          <a:p>
+            <a:endParaRPr/>
+          </a:p>
         </p:txBody>
       </p:sp>
       <p:sp>
         <p:nvSpPr>
           <p:cNvPr id="31" name="Shape 31"/>
-          <p:cNvSpPr txBox="1"/>
+          <p:cNvSpPr txBox="1">
+            <a:spLocks noGrp="1"/>
+          </p:cNvSpPr>
           <p:nvPr>
-            <p:ph idx="1" type="body"/>
+            <p:ph type="body" idx="1"/>
           </p:nvPr>
         </p:nvSpPr>
         <p:spPr>
@@ -2828,7 +3099,7 @@
           </a:prstGeom>
         </p:spPr>
         <p:txBody>
-          <a:bodyPr anchorCtr="0" anchor="t" bIns="91425" lIns="91425" rIns="91425" tIns="91425"/>
+          <a:bodyPr lIns="91425" tIns="91425" rIns="91425" bIns="91425" anchor="t" anchorCtr="0"/>
           <a:lstStyle>
             <a:lvl1pPr lvl="0">
               <a:spcBef>
@@ -2894,15 +3165,19 @@
               <a:defRPr sz="1200"/>
             </a:lvl9pPr>
           </a:lstStyle>
-          <a:p/>
+          <a:p>
+            <a:endParaRPr/>
+          </a:p>
         </p:txBody>
       </p:sp>
       <p:sp>
         <p:nvSpPr>
           <p:cNvPr id="32" name="Shape 32"/>
-          <p:cNvSpPr txBox="1"/>
+          <p:cNvSpPr txBox="1">
+            <a:spLocks noGrp="1"/>
+          </p:cNvSpPr>
           <p:nvPr>
-            <p:ph idx="12" type="sldNum"/>
+            <p:ph type="sldNum" idx="12"/>
           </p:nvPr>
         </p:nvSpPr>
         <p:spPr>
@@ -2915,7 +3190,7 @@
           </a:prstGeom>
         </p:spPr>
         <p:txBody>
-          <a:bodyPr anchorCtr="0" anchor="ctr" bIns="91425" lIns="91425" rIns="91425" tIns="91425">
+          <a:bodyPr lIns="91425" tIns="91425" rIns="91425" bIns="91425" anchor="ctr" anchorCtr="0">
             <a:noAutofit/>
           </a:bodyPr>
           <a:lstStyle/>
@@ -2930,6 +3205,7 @@
               <a:rPr lang="en"/>
               <a:t>‹#›</a:t>
             </a:fld>
+            <a:endParaRPr lang="en"/>
           </a:p>
         </p:txBody>
       </p:sp>
@@ -2942,18 +3218,19 @@
 </file>
 
 <file path=ppt/slideLayouts/slideLayout7.xml><?xml version="1.0" encoding="utf-8"?>
-<p:sldLayout xmlns:a="http://schemas.openxmlformats.org/drawingml/2006/main" xmlns:r="http://schemas.openxmlformats.org/officeDocument/2006/relationships" xmlns:mc="http://schemas.openxmlformats.org/markup-compatibility/2006" xmlns:mv="urn:schemas-microsoft-com:mac:vml" xmlns:p="http://schemas.openxmlformats.org/presentationml/2006/main" xmlns:c="http://schemas.openxmlformats.org/drawingml/2006/chart" xmlns:dgm="http://schemas.openxmlformats.org/drawingml/2006/diagram" xmlns:o="urn:schemas-microsoft-com:office:office" xmlns:v="urn:schemas-microsoft-com:vml" xmlns:pvml="urn:schemas-microsoft-com:office:powerpoint" xmlns:com="http://schemas.openxmlformats.org/drawingml/2006/compatibility" xmlns:p14="http://schemas.microsoft.com/office/powerpoint/2010/main">
+<p:sldLayout xmlns:a="http://schemas.openxmlformats.org/drawingml/2006/main" xmlns:r="http://schemas.openxmlformats.org/officeDocument/2006/relationships" xmlns:p="http://schemas.openxmlformats.org/presentationml/2006/main">
   <p:cSld name="Main point">
     <p:bg>
       <p:bgPr>
         <a:solidFill>
           <a:schemeClr val="accent4"/>
         </a:solidFill>
+        <a:effectLst/>
       </p:bgPr>
     </p:bg>
     <p:spTree>
       <p:nvGrpSpPr>
-        <p:cNvPr id="33" name="Shape 33"/>
+        <p:cNvPr id="1" name="Shape 33"/>
         <p:cNvGrpSpPr/>
         <p:nvPr/>
       </p:nvGrpSpPr>
@@ -2968,7 +3245,9 @@
       <p:sp>
         <p:nvSpPr>
           <p:cNvPr id="34" name="Shape 34"/>
-          <p:cNvSpPr txBox="1"/>
+          <p:cNvSpPr txBox="1">
+            <a:spLocks noGrp="1"/>
+          </p:cNvSpPr>
           <p:nvPr>
             <p:ph type="title"/>
           </p:nvPr>
@@ -2983,7 +3262,7 @@
           </a:prstGeom>
         </p:spPr>
         <p:txBody>
-          <a:bodyPr anchorCtr="0" anchor="ctr" bIns="91425" lIns="91425" rIns="91425" tIns="91425"/>
+          <a:bodyPr lIns="91425" tIns="91425" rIns="91425" bIns="91425" anchor="ctr" anchorCtr="0"/>
           <a:lstStyle>
             <a:lvl1pPr lvl="0">
               <a:spcBef>
@@ -3112,15 +3391,19 @@
               </a:defRPr>
             </a:lvl9pPr>
           </a:lstStyle>
-          <a:p/>
+          <a:p>
+            <a:endParaRPr/>
+          </a:p>
         </p:txBody>
       </p:sp>
       <p:sp>
         <p:nvSpPr>
           <p:cNvPr id="35" name="Shape 35"/>
-          <p:cNvSpPr txBox="1"/>
+          <p:cNvSpPr txBox="1">
+            <a:spLocks noGrp="1"/>
+          </p:cNvSpPr>
           <p:nvPr>
-            <p:ph idx="12" type="sldNum"/>
+            <p:ph type="sldNum" idx="12"/>
           </p:nvPr>
         </p:nvSpPr>
         <p:spPr>
@@ -3133,7 +3416,7 @@
           </a:prstGeom>
         </p:spPr>
         <p:txBody>
-          <a:bodyPr anchorCtr="0" anchor="ctr" bIns="91425" lIns="91425" rIns="91425" tIns="91425">
+          <a:bodyPr lIns="91425" tIns="91425" rIns="91425" bIns="91425" anchor="ctr" anchorCtr="0">
             <a:noAutofit/>
           </a:bodyPr>
           <a:lstStyle/>
@@ -3152,6 +3435,11 @@
               </a:rPr>
               <a:t>‹#›</a:t>
             </a:fld>
+            <a:endParaRPr lang="en">
+              <a:solidFill>
+                <a:schemeClr val="lt1"/>
+              </a:solidFill>
+            </a:endParaRPr>
           </a:p>
         </p:txBody>
       </p:sp>
@@ -3164,11 +3452,11 @@
 </file>
 
 <file path=ppt/slideLayouts/slideLayout8.xml><?xml version="1.0" encoding="utf-8"?>
-<p:sldLayout xmlns:a="http://schemas.openxmlformats.org/drawingml/2006/main" xmlns:r="http://schemas.openxmlformats.org/officeDocument/2006/relationships" xmlns:mc="http://schemas.openxmlformats.org/markup-compatibility/2006" xmlns:mv="urn:schemas-microsoft-com:mac:vml" xmlns:p="http://schemas.openxmlformats.org/presentationml/2006/main" xmlns:c="http://schemas.openxmlformats.org/drawingml/2006/chart" xmlns:dgm="http://schemas.openxmlformats.org/drawingml/2006/diagram" xmlns:o="urn:schemas-microsoft-com:office:office" xmlns:v="urn:schemas-microsoft-com:vml" xmlns:pvml="urn:schemas-microsoft-com:office:powerpoint" xmlns:com="http://schemas.openxmlformats.org/drawingml/2006/compatibility" xmlns:p14="http://schemas.microsoft.com/office/powerpoint/2010/main">
+<p:sldLayout xmlns:a="http://schemas.openxmlformats.org/drawingml/2006/main" xmlns:r="http://schemas.openxmlformats.org/officeDocument/2006/relationships" xmlns:p="http://schemas.openxmlformats.org/presentationml/2006/main">
   <p:cSld name="Section title and description">
     <p:spTree>
       <p:nvGrpSpPr>
-        <p:cNvPr id="36" name="Shape 36"/>
+        <p:cNvPr id="1" name="Shape 36"/>
         <p:cNvGrpSpPr/>
         <p:nvPr/>
       </p:nvGrpSpPr>
@@ -3202,7 +3490,7 @@
           </a:ln>
         </p:spPr>
         <p:txBody>
-          <a:bodyPr anchorCtr="0" anchor="ctr" bIns="91425" lIns="91425" rIns="91425" tIns="91425">
+          <a:bodyPr lIns="91425" tIns="91425" rIns="91425" bIns="91425" anchor="ctr" anchorCtr="0">
             <a:noAutofit/>
           </a:bodyPr>
           <a:lstStyle/>
@@ -3213,9 +3501,6 @@
               </a:spcBef>
               <a:buNone/>
             </a:pPr>
-            <a:r>
-              <a:t/>
-            </a:r>
             <a:endParaRPr/>
           </a:p>
         </p:txBody>
@@ -3235,21 +3520,23 @@
             <a:avLst/>
           </a:prstGeom>
           <a:noFill/>
-          <a:ln cap="flat" cmpd="sng" w="28575">
+          <a:ln w="28575" cap="flat" cmpd="sng">
             <a:solidFill>
               <a:schemeClr val="lt1"/>
             </a:solidFill>
             <a:prstDash val="solid"/>
             <a:round/>
-            <a:headEnd len="med" w="med" type="none"/>
-            <a:tailEnd len="med" w="med" type="none"/>
+            <a:headEnd type="none" w="med" len="med"/>
+            <a:tailEnd type="none" w="med" len="med"/>
           </a:ln>
         </p:spPr>
       </p:cxnSp>
       <p:sp>
         <p:nvSpPr>
           <p:cNvPr id="39" name="Shape 39"/>
-          <p:cNvSpPr txBox="1"/>
+          <p:cNvSpPr txBox="1">
+            <a:spLocks noGrp="1"/>
+          </p:cNvSpPr>
           <p:nvPr>
             <p:ph type="title"/>
           </p:nvPr>
@@ -3264,7 +3551,7 @@
           </a:prstGeom>
         </p:spPr>
         <p:txBody>
-          <a:bodyPr anchorCtr="0" anchor="b" bIns="91425" lIns="91425" rIns="91425" tIns="91425"/>
+          <a:bodyPr lIns="91425" tIns="91425" rIns="91425" bIns="91425" anchor="b" anchorCtr="0"/>
           <a:lstStyle>
             <a:lvl1pPr lvl="0" algn="ctr">
               <a:spcBef>
@@ -3330,15 +3617,19 @@
               <a:defRPr sz="5400"/>
             </a:lvl9pPr>
           </a:lstStyle>
-          <a:p/>
+          <a:p>
+            <a:endParaRPr/>
+          </a:p>
         </p:txBody>
       </p:sp>
       <p:sp>
         <p:nvSpPr>
           <p:cNvPr id="40" name="Shape 40"/>
-          <p:cNvSpPr txBox="1"/>
+          <p:cNvSpPr txBox="1">
+            <a:spLocks noGrp="1"/>
+          </p:cNvSpPr>
           <p:nvPr>
-            <p:ph idx="1" type="subTitle"/>
+            <p:ph type="subTitle" idx="1"/>
           </p:nvPr>
         </p:nvSpPr>
         <p:spPr>
@@ -3351,7 +3642,7 @@
           </a:prstGeom>
         </p:spPr>
         <p:txBody>
-          <a:bodyPr anchorCtr="0" anchor="t" bIns="91425" lIns="91425" rIns="91425" tIns="91425"/>
+          <a:bodyPr lIns="91425" tIns="91425" rIns="91425" bIns="91425" anchor="t" anchorCtr="0"/>
           <a:lstStyle>
             <a:lvl1pPr lvl="0" algn="ctr">
               <a:lnSpc>
@@ -3479,15 +3770,19 @@
               <a:defRPr sz="1800"/>
             </a:lvl9pPr>
           </a:lstStyle>
-          <a:p/>
+          <a:p>
+            <a:endParaRPr/>
+          </a:p>
         </p:txBody>
       </p:sp>
       <p:sp>
         <p:nvSpPr>
           <p:cNvPr id="41" name="Shape 41"/>
-          <p:cNvSpPr txBox="1"/>
+          <p:cNvSpPr txBox="1">
+            <a:spLocks noGrp="1"/>
+          </p:cNvSpPr>
           <p:nvPr>
-            <p:ph idx="2" type="body"/>
+            <p:ph type="body" idx="2"/>
           </p:nvPr>
         </p:nvSpPr>
         <p:spPr>
@@ -3500,7 +3795,7 @@
           </a:prstGeom>
         </p:spPr>
         <p:txBody>
-          <a:bodyPr anchorCtr="0" anchor="ctr" bIns="91425" lIns="91425" rIns="91425" tIns="91425"/>
+          <a:bodyPr lIns="91425" tIns="91425" rIns="91425" bIns="91425" anchor="ctr" anchorCtr="0"/>
           <a:lstStyle>
             <a:lvl1pPr lvl="0">
               <a:spcBef>
@@ -3620,15 +3915,19 @@
               </a:defRPr>
             </a:lvl9pPr>
           </a:lstStyle>
-          <a:p/>
+          <a:p>
+            <a:endParaRPr/>
+          </a:p>
         </p:txBody>
       </p:sp>
       <p:sp>
         <p:nvSpPr>
           <p:cNvPr id="42" name="Shape 42"/>
-          <p:cNvSpPr txBox="1"/>
+          <p:cNvSpPr txBox="1">
+            <a:spLocks noGrp="1"/>
+          </p:cNvSpPr>
           <p:nvPr>
-            <p:ph idx="12" type="sldNum"/>
+            <p:ph type="sldNum" idx="12"/>
           </p:nvPr>
         </p:nvSpPr>
         <p:spPr>
@@ -3641,7 +3940,7 @@
           </a:prstGeom>
         </p:spPr>
         <p:txBody>
-          <a:bodyPr anchorCtr="0" anchor="ctr" bIns="91425" lIns="91425" rIns="91425" tIns="91425">
+          <a:bodyPr lIns="91425" tIns="91425" rIns="91425" bIns="91425" anchor="ctr" anchorCtr="0">
             <a:noAutofit/>
           </a:bodyPr>
           <a:lstStyle/>
@@ -3656,6 +3955,7 @@
               <a:rPr lang="en"/>
               <a:t>‹#›</a:t>
             </a:fld>
+            <a:endParaRPr lang="en"/>
           </a:p>
         </p:txBody>
       </p:sp>
@@ -3668,11 +3968,11 @@
 </file>
 
 <file path=ppt/slideLayouts/slideLayout9.xml><?xml version="1.0" encoding="utf-8"?>
-<p:sldLayout xmlns:a="http://schemas.openxmlformats.org/drawingml/2006/main" xmlns:r="http://schemas.openxmlformats.org/officeDocument/2006/relationships" xmlns:mc="http://schemas.openxmlformats.org/markup-compatibility/2006" xmlns:mv="urn:schemas-microsoft-com:mac:vml" xmlns:p="http://schemas.openxmlformats.org/presentationml/2006/main" xmlns:c="http://schemas.openxmlformats.org/drawingml/2006/chart" xmlns:dgm="http://schemas.openxmlformats.org/drawingml/2006/diagram" xmlns:o="urn:schemas-microsoft-com:office:office" xmlns:v="urn:schemas-microsoft-com:vml" xmlns:pvml="urn:schemas-microsoft-com:office:powerpoint" xmlns:com="http://schemas.openxmlformats.org/drawingml/2006/compatibility" xmlns:p14="http://schemas.microsoft.com/office/powerpoint/2010/main">
+<p:sldLayout xmlns:a="http://schemas.openxmlformats.org/drawingml/2006/main" xmlns:r="http://schemas.openxmlformats.org/officeDocument/2006/relationships" xmlns:p="http://schemas.openxmlformats.org/presentationml/2006/main">
   <p:cSld name="Caption">
     <p:spTree>
       <p:nvGrpSpPr>
-        <p:cNvPr id="43" name="Shape 43"/>
+        <p:cNvPr id="1" name="Shape 43"/>
         <p:cNvGrpSpPr/>
         <p:nvPr/>
       </p:nvGrpSpPr>
@@ -3687,9 +3987,11 @@
       <p:sp>
         <p:nvSpPr>
           <p:cNvPr id="44" name="Shape 44"/>
-          <p:cNvSpPr txBox="1"/>
+          <p:cNvSpPr txBox="1">
+            <a:spLocks noGrp="1"/>
+          </p:cNvSpPr>
           <p:nvPr>
-            <p:ph idx="1" type="body"/>
+            <p:ph type="body" idx="1"/>
           </p:nvPr>
         </p:nvSpPr>
         <p:spPr>
@@ -3702,7 +4004,7 @@
           </a:prstGeom>
         </p:spPr>
         <p:txBody>
-          <a:bodyPr anchorCtr="0" anchor="ctr" bIns="91425" lIns="91425" rIns="91425" tIns="91425"/>
+          <a:bodyPr lIns="91425" tIns="91425" rIns="91425" bIns="91425" anchor="ctr" anchorCtr="0"/>
           <a:lstStyle>
             <a:lvl1pPr lvl="0">
               <a:lnSpc>
@@ -3720,7 +4022,7 @@
               <a:buSzPct val="100000"/>
               <a:buFont typeface="Amatic SC"/>
               <a:buNone/>
-              <a:defRPr b="1" sz="2400">
+              <a:defRPr sz="2400" b="1">
                 <a:solidFill>
                   <a:schemeClr val="accent1"/>
                 </a:solidFill>
@@ -3731,15 +4033,19 @@
               </a:defRPr>
             </a:lvl1pPr>
           </a:lstStyle>
-          <a:p/>
+          <a:p>
+            <a:endParaRPr/>
+          </a:p>
         </p:txBody>
       </p:sp>
       <p:sp>
         <p:nvSpPr>
           <p:cNvPr id="45" name="Shape 45"/>
-          <p:cNvSpPr txBox="1"/>
+          <p:cNvSpPr txBox="1">
+            <a:spLocks noGrp="1"/>
+          </p:cNvSpPr>
           <p:nvPr>
-            <p:ph idx="12" type="sldNum"/>
+            <p:ph type="sldNum" idx="12"/>
           </p:nvPr>
         </p:nvSpPr>
         <p:spPr>
@@ -3752,7 +4058,7 @@
           </a:prstGeom>
         </p:spPr>
         <p:txBody>
-          <a:bodyPr anchorCtr="0" anchor="ctr" bIns="91425" lIns="91425" rIns="91425" tIns="91425">
+          <a:bodyPr lIns="91425" tIns="91425" rIns="91425" bIns="91425" anchor="ctr" anchorCtr="0">
             <a:noAutofit/>
           </a:bodyPr>
           <a:lstStyle/>
@@ -3767,6 +4073,7 @@
               <a:rPr lang="en"/>
               <a:t>‹#›</a:t>
             </a:fld>
+            <a:endParaRPr lang="en"/>
           </a:p>
         </p:txBody>
       </p:sp>
@@ -3779,18 +4086,19 @@
 </file>
 
 <file path=ppt/slideMasters/slideMaster1.xml><?xml version="1.0" encoding="utf-8"?>
-<p:sldMaster xmlns:a="http://schemas.openxmlformats.org/drawingml/2006/main" xmlns:r="http://schemas.openxmlformats.org/officeDocument/2006/relationships" xmlns:mc="http://schemas.openxmlformats.org/markup-compatibility/2006" xmlns:mv="urn:schemas-microsoft-com:mac:vml" xmlns:p="http://schemas.openxmlformats.org/presentationml/2006/main" xmlns:c="http://schemas.openxmlformats.org/drawingml/2006/chart" xmlns:dgm="http://schemas.openxmlformats.org/drawingml/2006/diagram" xmlns:o="urn:schemas-microsoft-com:office:office" xmlns:v="urn:schemas-microsoft-com:vml" xmlns:pvml="urn:schemas-microsoft-com:office:powerpoint" xmlns:com="http://schemas.openxmlformats.org/drawingml/2006/compatibility" xmlns:p14="http://schemas.microsoft.com/office/powerpoint/2010/main">
+<p:sldMaster xmlns:a="http://schemas.openxmlformats.org/drawingml/2006/main" xmlns:r="http://schemas.openxmlformats.org/officeDocument/2006/relationships" xmlns:p="http://schemas.openxmlformats.org/presentationml/2006/main">
   <p:cSld>
     <p:bg>
       <p:bgPr>
         <a:solidFill>
           <a:schemeClr val="lt1"/>
         </a:solidFill>
+        <a:effectLst/>
       </p:bgPr>
     </p:bg>
     <p:spTree>
       <p:nvGrpSpPr>
-        <p:cNvPr id="5" name="Shape 5"/>
+        <p:cNvPr id="1" name="Shape 5"/>
         <p:cNvGrpSpPr/>
         <p:nvPr/>
       </p:nvGrpSpPr>
@@ -3805,7 +4113,9 @@
       <p:sp>
         <p:nvSpPr>
           <p:cNvPr id="6" name="Shape 6"/>
-          <p:cNvSpPr txBox="1"/>
+          <p:cNvSpPr txBox="1">
+            <a:spLocks noGrp="1"/>
+          </p:cNvSpPr>
           <p:nvPr>
             <p:ph type="title"/>
           </p:nvPr>
@@ -3824,7 +4134,7 @@
           </a:ln>
         </p:spPr>
         <p:txBody>
-          <a:bodyPr anchorCtr="0" anchor="t" bIns="91425" lIns="91425" rIns="91425" tIns="91425"/>
+          <a:bodyPr lIns="91425" tIns="91425" rIns="91425" bIns="91425" anchor="t" anchorCtr="0"/>
           <a:lstStyle>
             <a:lvl1pPr lvl="0">
               <a:spcBef>
@@ -3836,7 +4146,7 @@
               <a:buSzPct val="100000"/>
               <a:buFont typeface="Amatic SC"/>
               <a:buNone/>
-              <a:defRPr b="1" sz="4200">
+              <a:defRPr sz="4200" b="1">
                 <a:solidFill>
                   <a:schemeClr val="accent1"/>
                 </a:solidFill>
@@ -3856,7 +4166,7 @@
               <a:buSzPct val="100000"/>
               <a:buFont typeface="Amatic SC"/>
               <a:buNone/>
-              <a:defRPr b="1" sz="4200">
+              <a:defRPr sz="4200" b="1">
                 <a:solidFill>
                   <a:schemeClr val="accent1"/>
                 </a:solidFill>
@@ -3876,7 +4186,7 @@
               <a:buSzPct val="100000"/>
               <a:buFont typeface="Amatic SC"/>
               <a:buNone/>
-              <a:defRPr b="1" sz="4200">
+              <a:defRPr sz="4200" b="1">
                 <a:solidFill>
                   <a:schemeClr val="accent1"/>
                 </a:solidFill>
@@ -3896,7 +4206,7 @@
               <a:buSzPct val="100000"/>
               <a:buFont typeface="Amatic SC"/>
               <a:buNone/>
-              <a:defRPr b="1" sz="4200">
+              <a:defRPr sz="4200" b="1">
                 <a:solidFill>
                   <a:schemeClr val="accent1"/>
                 </a:solidFill>
@@ -3916,7 +4226,7 @@
               <a:buSzPct val="100000"/>
               <a:buFont typeface="Amatic SC"/>
               <a:buNone/>
-              <a:defRPr b="1" sz="4200">
+              <a:defRPr sz="4200" b="1">
                 <a:solidFill>
                   <a:schemeClr val="accent1"/>
                 </a:solidFill>
@@ -3936,7 +4246,7 @@
               <a:buSzPct val="100000"/>
               <a:buFont typeface="Amatic SC"/>
               <a:buNone/>
-              <a:defRPr b="1" sz="4200">
+              <a:defRPr sz="4200" b="1">
                 <a:solidFill>
                   <a:schemeClr val="accent1"/>
                 </a:solidFill>
@@ -3956,7 +4266,7 @@
               <a:buSzPct val="100000"/>
               <a:buFont typeface="Amatic SC"/>
               <a:buNone/>
-              <a:defRPr b="1" sz="4200">
+              <a:defRPr sz="4200" b="1">
                 <a:solidFill>
                   <a:schemeClr val="accent1"/>
                 </a:solidFill>
@@ -3976,7 +4286,7 @@
               <a:buSzPct val="100000"/>
               <a:buFont typeface="Amatic SC"/>
               <a:buNone/>
-              <a:defRPr b="1" sz="4200">
+              <a:defRPr sz="4200" b="1">
                 <a:solidFill>
                   <a:schemeClr val="accent1"/>
                 </a:solidFill>
@@ -3996,7 +4306,7 @@
               <a:buSzPct val="100000"/>
               <a:buFont typeface="Amatic SC"/>
               <a:buNone/>
-              <a:defRPr b="1" sz="4200">
+              <a:defRPr sz="4200" b="1">
                 <a:solidFill>
                   <a:schemeClr val="accent1"/>
                 </a:solidFill>
@@ -4007,15 +4317,19 @@
               </a:defRPr>
             </a:lvl9pPr>
           </a:lstStyle>
-          <a:p/>
+          <a:p>
+            <a:endParaRPr/>
+          </a:p>
         </p:txBody>
       </p:sp>
       <p:sp>
         <p:nvSpPr>
           <p:cNvPr id="7" name="Shape 7"/>
-          <p:cNvSpPr txBox="1"/>
+          <p:cNvSpPr txBox="1">
+            <a:spLocks noGrp="1"/>
+          </p:cNvSpPr>
           <p:nvPr>
-            <p:ph idx="1" type="body"/>
+            <p:ph type="body" idx="1"/>
           </p:nvPr>
         </p:nvSpPr>
         <p:spPr>
@@ -4032,7 +4346,7 @@
           </a:ln>
         </p:spPr>
         <p:txBody>
-          <a:bodyPr anchorCtr="0" anchor="t" bIns="91425" lIns="91425" rIns="91425" tIns="91425"/>
+          <a:bodyPr lIns="91425" tIns="91425" rIns="91425" bIns="91425" anchor="t" anchorCtr="0"/>
           <a:lstStyle>
             <a:lvl1pPr lvl="0">
               <a:lnSpc>
@@ -4252,15 +4566,19 @@
               </a:defRPr>
             </a:lvl9pPr>
           </a:lstStyle>
-          <a:p/>
+          <a:p>
+            <a:endParaRPr/>
+          </a:p>
         </p:txBody>
       </p:sp>
       <p:sp>
         <p:nvSpPr>
           <p:cNvPr id="8" name="Shape 8"/>
-          <p:cNvSpPr txBox="1"/>
+          <p:cNvSpPr txBox="1">
+            <a:spLocks noGrp="1"/>
+          </p:cNvSpPr>
           <p:nvPr>
-            <p:ph idx="12" type="sldNum"/>
+            <p:ph type="sldNum" idx="12"/>
           </p:nvPr>
         </p:nvSpPr>
         <p:spPr>
@@ -4277,7 +4595,7 @@
           </a:ln>
         </p:spPr>
         <p:txBody>
-          <a:bodyPr anchorCtr="0" anchor="ctr" bIns="91425" lIns="91425" rIns="91425" tIns="91425">
+          <a:bodyPr lIns="91425" tIns="91425" rIns="91425" bIns="91425" anchor="ctr" anchorCtr="0">
             <a:noAutofit/>
           </a:bodyPr>
           <a:lstStyle/>
@@ -4300,12 +4618,21 @@
               </a:rPr>
               <a:t>‹#›</a:t>
             </a:fld>
+            <a:endParaRPr lang="en" sz="1000">
+              <a:solidFill>
+                <a:schemeClr val="accent1"/>
+              </a:solidFill>
+              <a:latin typeface="Source Code Pro"/>
+              <a:ea typeface="Source Code Pro"/>
+              <a:cs typeface="Source Code Pro"/>
+              <a:sym typeface="Source Code Pro"/>
+            </a:endParaRPr>
           </a:p>
         </p:txBody>
       </p:sp>
     </p:spTree>
   </p:cSld>
-  <p:clrMap accent1="accent1" accent2="accent2" accent3="accent3" accent4="accent4" accent5="accent5" accent6="accent6" bg1="lt1" bg2="dk2" tx1="dk1" tx2="lt2" folHlink="folHlink" hlink="hlink"/>
+  <p:clrMap bg1="lt1" tx1="dk1" bg2="dk2" tx2="lt2" accent1="accent1" accent2="accent2" accent3="accent3" accent4="accent4" accent5="accent5" accent6="accent6" hlink="hlink" folHlink="folHlink"/>
   <p:sldLayoutIdLst>
     <p:sldLayoutId id="2147483648" r:id="rId1"/>
     <p:sldLayoutId id="2147483649" r:id="rId2"/>
@@ -4319,10 +4646,10 @@
     <p:sldLayoutId id="2147483657" r:id="rId10"/>
     <p:sldLayoutId id="2147483658" r:id="rId11"/>
   </p:sldLayoutIdLst>
-  <p:hf dt="0" ftr="0" hdr="0" sldNum="0"/>
+  <p:hf sldNum="0" hdr="0" ftr="0" dt="0"/>
   <p:txStyles>
     <p:titleStyle>
-      <a:defPPr lvl="0" marR="0" rtl="0" algn="l">
+      <a:defPPr marR="0" lvl="0" algn="l" rtl="0">
         <a:lnSpc>
           <a:spcPct val="100000"/>
         </a:lnSpc>
@@ -4333,7 +4660,7 @@
           <a:spcPts val="0"/>
         </a:spcAft>
       </a:defPPr>
-      <a:lvl1pPr lvl="0" marR="0" rtl="0" algn="l">
+      <a:lvl1pPr marR="0" lvl="0" algn="l" rtl="0">
         <a:lnSpc>
           <a:spcPct val="100000"/>
         </a:lnSpc>
@@ -4344,7 +4671,7 @@
           <a:spcPts val="0"/>
         </a:spcAft>
         <a:buNone/>
-        <a:defRPr b="0" i="0" sz="1400" u="none" cap="none" strike="noStrike">
+        <a:defRPr sz="1400" b="0" i="0" u="none" strike="noStrike" cap="none">
           <a:solidFill>
             <a:srgbClr val="000000"/>
           </a:solidFill>
@@ -4356,7 +4683,7 @@
       </a:lvl1pPr>
     </p:titleStyle>
     <p:bodyStyle>
-      <a:defPPr lvl="0" marR="0" rtl="0" algn="l">
+      <a:defPPr marR="0" lvl="0" algn="l" rtl="0">
         <a:lnSpc>
           <a:spcPct val="100000"/>
         </a:lnSpc>
@@ -4367,7 +4694,7 @@
           <a:spcPts val="0"/>
         </a:spcAft>
       </a:defPPr>
-      <a:lvl1pPr lvl="0" marR="0" rtl="0" algn="l">
+      <a:lvl1pPr marR="0" lvl="0" algn="l" rtl="0">
         <a:lnSpc>
           <a:spcPct val="100000"/>
         </a:lnSpc>
@@ -4378,7 +4705,7 @@
           <a:spcPts val="0"/>
         </a:spcAft>
         <a:buNone/>
-        <a:defRPr b="0" i="0" sz="1400" u="none" cap="none" strike="noStrike">
+        <a:defRPr sz="1400" b="0" i="0" u="none" strike="noStrike" cap="none">
           <a:solidFill>
             <a:srgbClr val="000000"/>
           </a:solidFill>
@@ -4388,7 +4715,7 @@
           <a:sym typeface="Arial"/>
         </a:defRPr>
       </a:lvl1pPr>
-      <a:lvl2pPr lvl="1" marR="0" rtl="0" algn="l">
+      <a:lvl2pPr marR="0" lvl="1" algn="l" rtl="0">
         <a:lnSpc>
           <a:spcPct val="100000"/>
         </a:lnSpc>
@@ -4399,7 +4726,7 @@
           <a:spcPts val="0"/>
         </a:spcAft>
         <a:buNone/>
-        <a:defRPr b="0" i="0" sz="1400" u="none" cap="none" strike="noStrike">
+        <a:defRPr sz="1400" b="0" i="0" u="none" strike="noStrike" cap="none">
           <a:solidFill>
             <a:srgbClr val="000000"/>
           </a:solidFill>
@@ -4409,7 +4736,7 @@
           <a:sym typeface="Arial"/>
         </a:defRPr>
       </a:lvl2pPr>
-      <a:lvl3pPr lvl="2" marR="0" rtl="0" algn="l">
+      <a:lvl3pPr marR="0" lvl="2" algn="l" rtl="0">
         <a:lnSpc>
           <a:spcPct val="100000"/>
         </a:lnSpc>
@@ -4420,7 +4747,7 @@
           <a:spcPts val="0"/>
         </a:spcAft>
         <a:buNone/>
-        <a:defRPr b="0" i="0" sz="1400" u="none" cap="none" strike="noStrike">
+        <a:defRPr sz="1400" b="0" i="0" u="none" strike="noStrike" cap="none">
           <a:solidFill>
             <a:srgbClr val="000000"/>
           </a:solidFill>
@@ -4430,7 +4757,7 @@
           <a:sym typeface="Arial"/>
         </a:defRPr>
       </a:lvl3pPr>
-      <a:lvl4pPr lvl="3" marR="0" rtl="0" algn="l">
+      <a:lvl4pPr marR="0" lvl="3" algn="l" rtl="0">
         <a:lnSpc>
           <a:spcPct val="100000"/>
         </a:lnSpc>
@@ -4441,7 +4768,7 @@
           <a:spcPts val="0"/>
         </a:spcAft>
         <a:buNone/>
-        <a:defRPr b="0" i="0" sz="1400" u="none" cap="none" strike="noStrike">
+        <a:defRPr sz="1400" b="0" i="0" u="none" strike="noStrike" cap="none">
           <a:solidFill>
             <a:srgbClr val="000000"/>
           </a:solidFill>
@@ -4451,7 +4778,7 @@
           <a:sym typeface="Arial"/>
         </a:defRPr>
       </a:lvl4pPr>
-      <a:lvl5pPr lvl="4" marR="0" rtl="0" algn="l">
+      <a:lvl5pPr marR="0" lvl="4" algn="l" rtl="0">
         <a:lnSpc>
           <a:spcPct val="100000"/>
         </a:lnSpc>
@@ -4462,7 +4789,7 @@
           <a:spcPts val="0"/>
         </a:spcAft>
         <a:buNone/>
-        <a:defRPr b="0" i="0" sz="1400" u="none" cap="none" strike="noStrike">
+        <a:defRPr sz="1400" b="0" i="0" u="none" strike="noStrike" cap="none">
           <a:solidFill>
             <a:srgbClr val="000000"/>
           </a:solidFill>
@@ -4472,7 +4799,7 @@
           <a:sym typeface="Arial"/>
         </a:defRPr>
       </a:lvl5pPr>
-      <a:lvl6pPr lvl="5" marR="0" rtl="0" algn="l">
+      <a:lvl6pPr marR="0" lvl="5" algn="l" rtl="0">
         <a:lnSpc>
           <a:spcPct val="100000"/>
         </a:lnSpc>
@@ -4483,7 +4810,7 @@
           <a:spcPts val="0"/>
         </a:spcAft>
         <a:buNone/>
-        <a:defRPr b="0" i="0" sz="1400" u="none" cap="none" strike="noStrike">
+        <a:defRPr sz="1400" b="0" i="0" u="none" strike="noStrike" cap="none">
           <a:solidFill>
             <a:srgbClr val="000000"/>
           </a:solidFill>
@@ -4493,7 +4820,7 @@
           <a:sym typeface="Arial"/>
         </a:defRPr>
       </a:lvl6pPr>
-      <a:lvl7pPr lvl="6" marR="0" rtl="0" algn="l">
+      <a:lvl7pPr marR="0" lvl="6" algn="l" rtl="0">
         <a:lnSpc>
           <a:spcPct val="100000"/>
         </a:lnSpc>
@@ -4504,7 +4831,7 @@
           <a:spcPts val="0"/>
         </a:spcAft>
         <a:buNone/>
-        <a:defRPr b="0" i="0" sz="1400" u="none" cap="none" strike="noStrike">
+        <a:defRPr sz="1400" b="0" i="0" u="none" strike="noStrike" cap="none">
           <a:solidFill>
             <a:srgbClr val="000000"/>
           </a:solidFill>
@@ -4514,7 +4841,7 @@
           <a:sym typeface="Arial"/>
         </a:defRPr>
       </a:lvl7pPr>
-      <a:lvl8pPr lvl="7" marR="0" rtl="0" algn="l">
+      <a:lvl8pPr marR="0" lvl="7" algn="l" rtl="0">
         <a:lnSpc>
           <a:spcPct val="100000"/>
         </a:lnSpc>
@@ -4525,7 +4852,7 @@
           <a:spcPts val="0"/>
         </a:spcAft>
         <a:buNone/>
-        <a:defRPr b="0" i="0" sz="1400" u="none" cap="none" strike="noStrike">
+        <a:defRPr sz="1400" b="0" i="0" u="none" strike="noStrike" cap="none">
           <a:solidFill>
             <a:srgbClr val="000000"/>
           </a:solidFill>
@@ -4535,7 +4862,7 @@
           <a:sym typeface="Arial"/>
         </a:defRPr>
       </a:lvl8pPr>
-      <a:lvl9pPr lvl="8" marR="0" rtl="0" algn="l">
+      <a:lvl9pPr marR="0" lvl="8" algn="l" rtl="0">
         <a:lnSpc>
           <a:spcPct val="100000"/>
         </a:lnSpc>
@@ -4546,7 +4873,7 @@
           <a:spcPts val="0"/>
         </a:spcAft>
         <a:buNone/>
-        <a:defRPr b="0" i="0" sz="1400" u="none" cap="none" strike="noStrike">
+        <a:defRPr sz="1400" b="0" i="0" u="none" strike="noStrike" cap="none">
           <a:solidFill>
             <a:srgbClr val="000000"/>
           </a:solidFill>
@@ -4558,7 +4885,7 @@
       </a:lvl9pPr>
     </p:bodyStyle>
     <p:otherStyle>
-      <a:defPPr lvl="0" marR="0" rtl="0" algn="l">
+      <a:defPPr marR="0" lvl="0" algn="l" rtl="0">
         <a:lnSpc>
           <a:spcPct val="100000"/>
         </a:lnSpc>
@@ -4569,7 +4896,7 @@
           <a:spcPts val="0"/>
         </a:spcAft>
       </a:defPPr>
-      <a:lvl1pPr lvl="0" marR="0" rtl="0" algn="l">
+      <a:lvl1pPr marR="0" lvl="0" algn="l" rtl="0">
         <a:lnSpc>
           <a:spcPct val="100000"/>
         </a:lnSpc>
@@ -4580,7 +4907,7 @@
           <a:spcPts val="0"/>
         </a:spcAft>
         <a:buNone/>
-        <a:defRPr b="0" i="0" sz="1400" u="none" cap="none" strike="noStrike">
+        <a:defRPr sz="1400" b="0" i="0" u="none" strike="noStrike" cap="none">
           <a:solidFill>
             <a:srgbClr val="000000"/>
           </a:solidFill>
@@ -4590,7 +4917,7 @@
           <a:sym typeface="Arial"/>
         </a:defRPr>
       </a:lvl1pPr>
-      <a:lvl2pPr lvl="1" marR="0" rtl="0" algn="l">
+      <a:lvl2pPr marR="0" lvl="1" algn="l" rtl="0">
         <a:lnSpc>
           <a:spcPct val="100000"/>
         </a:lnSpc>
@@ -4601,7 +4928,7 @@
           <a:spcPts val="0"/>
         </a:spcAft>
         <a:buNone/>
-        <a:defRPr b="0" i="0" sz="1400" u="none" cap="none" strike="noStrike">
+        <a:defRPr sz="1400" b="0" i="0" u="none" strike="noStrike" cap="none">
           <a:solidFill>
             <a:srgbClr val="000000"/>
           </a:solidFill>
@@ -4611,7 +4938,7 @@
           <a:sym typeface="Arial"/>
         </a:defRPr>
       </a:lvl2pPr>
-      <a:lvl3pPr lvl="2" marR="0" rtl="0" algn="l">
+      <a:lvl3pPr marR="0" lvl="2" algn="l" rtl="0">
         <a:lnSpc>
           <a:spcPct val="100000"/>
         </a:lnSpc>
@@ -4622,7 +4949,7 @@
           <a:spcPts val="0"/>
         </a:spcAft>
         <a:buNone/>
-        <a:defRPr b="0" i="0" sz="1400" u="none" cap="none" strike="noStrike">
+        <a:defRPr sz="1400" b="0" i="0" u="none" strike="noStrike" cap="none">
           <a:solidFill>
             <a:srgbClr val="000000"/>
           </a:solidFill>
@@ -4632,7 +4959,7 @@
           <a:sym typeface="Arial"/>
         </a:defRPr>
       </a:lvl3pPr>
-      <a:lvl4pPr lvl="3" marR="0" rtl="0" algn="l">
+      <a:lvl4pPr marR="0" lvl="3" algn="l" rtl="0">
         <a:lnSpc>
           <a:spcPct val="100000"/>
         </a:lnSpc>
@@ -4643,7 +4970,7 @@
           <a:spcPts val="0"/>
         </a:spcAft>
         <a:buNone/>
-        <a:defRPr b="0" i="0" sz="1400" u="none" cap="none" strike="noStrike">
+        <a:defRPr sz="1400" b="0" i="0" u="none" strike="noStrike" cap="none">
           <a:solidFill>
             <a:srgbClr val="000000"/>
           </a:solidFill>
@@ -4653,7 +4980,7 @@
           <a:sym typeface="Arial"/>
         </a:defRPr>
       </a:lvl4pPr>
-      <a:lvl5pPr lvl="4" marR="0" rtl="0" algn="l">
+      <a:lvl5pPr marR="0" lvl="4" algn="l" rtl="0">
         <a:lnSpc>
           <a:spcPct val="100000"/>
         </a:lnSpc>
@@ -4664,7 +4991,7 @@
           <a:spcPts val="0"/>
         </a:spcAft>
         <a:buNone/>
-        <a:defRPr b="0" i="0" sz="1400" u="none" cap="none" strike="noStrike">
+        <a:defRPr sz="1400" b="0" i="0" u="none" strike="noStrike" cap="none">
           <a:solidFill>
             <a:srgbClr val="000000"/>
           </a:solidFill>
@@ -4674,7 +5001,7 @@
           <a:sym typeface="Arial"/>
         </a:defRPr>
       </a:lvl5pPr>
-      <a:lvl6pPr lvl="5" marR="0" rtl="0" algn="l">
+      <a:lvl6pPr marR="0" lvl="5" algn="l" rtl="0">
         <a:lnSpc>
           <a:spcPct val="100000"/>
         </a:lnSpc>
@@ -4685,7 +5012,7 @@
           <a:spcPts val="0"/>
         </a:spcAft>
         <a:buNone/>
-        <a:defRPr b="0" i="0" sz="1400" u="none" cap="none" strike="noStrike">
+        <a:defRPr sz="1400" b="0" i="0" u="none" strike="noStrike" cap="none">
           <a:solidFill>
             <a:srgbClr val="000000"/>
           </a:solidFill>
@@ -4695,7 +5022,7 @@
           <a:sym typeface="Arial"/>
         </a:defRPr>
       </a:lvl6pPr>
-      <a:lvl7pPr lvl="6" marR="0" rtl="0" algn="l">
+      <a:lvl7pPr marR="0" lvl="6" algn="l" rtl="0">
         <a:lnSpc>
           <a:spcPct val="100000"/>
         </a:lnSpc>
@@ -4706,7 +5033,7 @@
           <a:spcPts val="0"/>
         </a:spcAft>
         <a:buNone/>
-        <a:defRPr b="0" i="0" sz="1400" u="none" cap="none" strike="noStrike">
+        <a:defRPr sz="1400" b="0" i="0" u="none" strike="noStrike" cap="none">
           <a:solidFill>
             <a:srgbClr val="000000"/>
           </a:solidFill>
@@ -4716,7 +5043,7 @@
           <a:sym typeface="Arial"/>
         </a:defRPr>
       </a:lvl7pPr>
-      <a:lvl8pPr lvl="7" marR="0" rtl="0" algn="l">
+      <a:lvl8pPr marR="0" lvl="7" algn="l" rtl="0">
         <a:lnSpc>
           <a:spcPct val="100000"/>
         </a:lnSpc>
@@ -4727,7 +5054,7 @@
           <a:spcPts val="0"/>
         </a:spcAft>
         <a:buNone/>
-        <a:defRPr b="0" i="0" sz="1400" u="none" cap="none" strike="noStrike">
+        <a:defRPr sz="1400" b="0" i="0" u="none" strike="noStrike" cap="none">
           <a:solidFill>
             <a:srgbClr val="000000"/>
           </a:solidFill>
@@ -4737,7 +5064,7 @@
           <a:sym typeface="Arial"/>
         </a:defRPr>
       </a:lvl8pPr>
-      <a:lvl9pPr lvl="8" marR="0" rtl="0" algn="l">
+      <a:lvl9pPr marR="0" lvl="8" algn="l" rtl="0">
         <a:lnSpc>
           <a:spcPct val="100000"/>
         </a:lnSpc>
@@ -4748,7 +5075,7 @@
           <a:spcPts val="0"/>
         </a:spcAft>
         <a:buNone/>
-        <a:defRPr b="0" i="0" sz="1400" u="none" cap="none" strike="noStrike">
+        <a:defRPr sz="1400" b="0" i="0" u="none" strike="noStrike" cap="none">
           <a:solidFill>
             <a:srgbClr val="000000"/>
           </a:solidFill>
@@ -4764,11 +5091,11 @@
 </file>
 
 <file path=ppt/slides/slide1.xml><?xml version="1.0" encoding="utf-8"?>
-<p:sld xmlns:a="http://schemas.openxmlformats.org/drawingml/2006/main" xmlns:r="http://schemas.openxmlformats.org/officeDocument/2006/relationships" xmlns:mc="http://schemas.openxmlformats.org/markup-compatibility/2006" xmlns:mv="urn:schemas-microsoft-com:mac:vml" xmlns:p="http://schemas.openxmlformats.org/presentationml/2006/main" xmlns:c="http://schemas.openxmlformats.org/drawingml/2006/chart" xmlns:dgm="http://schemas.openxmlformats.org/drawingml/2006/diagram" xmlns:o="urn:schemas-microsoft-com:office:office" xmlns:v="urn:schemas-microsoft-com:vml" xmlns:pvml="urn:schemas-microsoft-com:office:powerpoint" xmlns:com="http://schemas.openxmlformats.org/drawingml/2006/compatibility" xmlns:p14="http://schemas.microsoft.com/office/powerpoint/2010/main">
+<p:sld xmlns:a="http://schemas.openxmlformats.org/drawingml/2006/main" xmlns:r="http://schemas.openxmlformats.org/officeDocument/2006/relationships" xmlns:p="http://schemas.openxmlformats.org/presentationml/2006/main">
   <p:cSld>
     <p:spTree>
       <p:nvGrpSpPr>
-        <p:cNvPr id="55" name="Shape 55"/>
+        <p:cNvPr id="1" name="Shape 55"/>
         <p:cNvGrpSpPr/>
         <p:nvPr/>
       </p:nvGrpSpPr>
@@ -4783,7 +5110,9 @@
       <p:sp>
         <p:nvSpPr>
           <p:cNvPr id="56" name="Shape 56"/>
-          <p:cNvSpPr txBox="1"/>
+          <p:cNvSpPr txBox="1">
+            <a:spLocks noGrp="1"/>
+          </p:cNvSpPr>
           <p:nvPr>
             <p:ph type="ctrTitle"/>
           </p:nvPr>
@@ -4798,7 +5127,7 @@
           </a:prstGeom>
         </p:spPr>
         <p:txBody>
-          <a:bodyPr anchorCtr="0" anchor="ctr" bIns="91425" lIns="91425" rIns="91425" tIns="91425">
+          <a:bodyPr lIns="91425" tIns="91425" rIns="91425" bIns="91425" anchor="ctr" anchorCtr="0">
             <a:noAutofit/>
           </a:bodyPr>
           <a:lstStyle/>
@@ -4819,9 +5148,11 @@
       <p:sp>
         <p:nvSpPr>
           <p:cNvPr id="57" name="Shape 57"/>
-          <p:cNvSpPr txBox="1"/>
+          <p:cNvSpPr txBox="1">
+            <a:spLocks noGrp="1"/>
+          </p:cNvSpPr>
           <p:nvPr>
-            <p:ph idx="1" type="subTitle"/>
+            <p:ph type="subTitle" idx="1"/>
           </p:nvPr>
         </p:nvSpPr>
         <p:spPr>
@@ -4834,7 +5165,7 @@
           </a:prstGeom>
         </p:spPr>
         <p:txBody>
-          <a:bodyPr anchorCtr="0" anchor="ctr" bIns="91425" lIns="91425" rIns="91425" tIns="91425">
+          <a:bodyPr lIns="91425" tIns="91425" rIns="91425" bIns="91425" anchor="ctr" anchorCtr="0">
             <a:noAutofit/>
           </a:bodyPr>
           <a:lstStyle/>
@@ -4860,12 +5191,542 @@
 </p:sld>
 </file>
 
-<file path=ppt/slides/slide2.xml><?xml version="1.0" encoding="utf-8"?>
-<p:sld xmlns:a="http://schemas.openxmlformats.org/drawingml/2006/main" xmlns:r="http://schemas.openxmlformats.org/officeDocument/2006/relationships" xmlns:mc="http://schemas.openxmlformats.org/markup-compatibility/2006" xmlns:mv="urn:schemas-microsoft-com:mac:vml" xmlns:p="http://schemas.openxmlformats.org/presentationml/2006/main" xmlns:c="http://schemas.openxmlformats.org/drawingml/2006/chart" xmlns:dgm="http://schemas.openxmlformats.org/drawingml/2006/diagram" xmlns:o="urn:schemas-microsoft-com:office:office" xmlns:v="urn:schemas-microsoft-com:vml" xmlns:pvml="urn:schemas-microsoft-com:office:powerpoint" xmlns:com="http://schemas.openxmlformats.org/drawingml/2006/compatibility" xmlns:p14="http://schemas.microsoft.com/office/powerpoint/2010/main">
+<file path=ppt/slides/slide10.xml><?xml version="1.0" encoding="utf-8"?>
+<p:sld xmlns:a="http://schemas.openxmlformats.org/drawingml/2006/main" xmlns:r="http://schemas.openxmlformats.org/officeDocument/2006/relationships" xmlns:p="http://schemas.openxmlformats.org/presentationml/2006/main">
   <p:cSld>
     <p:spTree>
       <p:nvGrpSpPr>
-        <p:cNvPr id="61" name="Shape 61"/>
+        <p:cNvPr id="1" name=""/>
+        <p:cNvGrpSpPr/>
+        <p:nvPr/>
+      </p:nvGrpSpPr>
+      <p:grpSpPr>
+        <a:xfrm>
+          <a:off x="0" y="0"/>
+          <a:ext cx="0" cy="0"/>
+          <a:chOff x="0" y="0"/>
+          <a:chExt cx="0" cy="0"/>
+        </a:xfrm>
+      </p:grpSpPr>
+      <p:sp>
+        <p:nvSpPr>
+          <p:cNvPr id="2" name="Заголовок 1"/>
+          <p:cNvSpPr>
+            <a:spLocks noGrp="1"/>
+          </p:cNvSpPr>
+          <p:nvPr>
+            <p:ph type="title"/>
+          </p:nvPr>
+        </p:nvSpPr>
+        <p:spPr/>
+        <p:txBody>
+          <a:bodyPr/>
+          <a:lstStyle/>
+          <a:p>
+            <a:pPr algn="ctr"/>
+            <a:r>
+              <a:rPr lang="en-US" dirty="0" smtClean="0"/>
+              <a:t>Project Features. Piece </a:t>
+            </a:r>
+            <a:r>
+              <a:rPr lang="en-US" dirty="0" smtClean="0"/>
+              <a:t>Promotion</a:t>
+            </a:r>
+            <a:endParaRPr lang="ru-RU" dirty="0"/>
+          </a:p>
+        </p:txBody>
+      </p:sp>
+      <p:pic>
+        <p:nvPicPr>
+          <p:cNvPr id="4" name="Рисунок 3"/>
+          <p:cNvPicPr>
+            <a:picLocks noChangeAspect="1"/>
+          </p:cNvPicPr>
+          <p:nvPr/>
+        </p:nvPicPr>
+        <p:blipFill>
+          <a:blip r:embed="rId2"/>
+          <a:stretch>
+            <a:fillRect/>
+          </a:stretch>
+        </p:blipFill>
+        <p:spPr>
+          <a:xfrm>
+            <a:off x="2947481" y="1228675"/>
+            <a:ext cx="2857500" cy="2857500"/>
+          </a:xfrm>
+          <a:prstGeom prst="rect">
+            <a:avLst/>
+          </a:prstGeom>
+        </p:spPr>
+      </p:pic>
+      <p:sp>
+        <p:nvSpPr>
+          <p:cNvPr id="3" name="Текст 2"/>
+          <p:cNvSpPr>
+            <a:spLocks noGrp="1"/>
+          </p:cNvSpPr>
+          <p:nvPr>
+            <p:ph type="body" idx="1"/>
+          </p:nvPr>
+        </p:nvSpPr>
+        <p:spPr/>
+        <p:txBody>
+          <a:bodyPr/>
+          <a:lstStyle/>
+          <a:p>
+            <a:endParaRPr lang="ru-RU" dirty="0"/>
+          </a:p>
+        </p:txBody>
+      </p:sp>
+    </p:spTree>
+    <p:extLst>
+      <p:ext uri="{BB962C8B-B14F-4D97-AF65-F5344CB8AC3E}">
+        <p14:creationId xmlns:p14="http://schemas.microsoft.com/office/powerpoint/2010/main" val="2660855676"/>
+      </p:ext>
+    </p:extLst>
+  </p:cSld>
+  <p:clrMapOvr>
+    <a:masterClrMapping/>
+  </p:clrMapOvr>
+  <p:timing>
+    <p:tnLst>
+      <p:par>
+        <p:cTn id="1" dur="indefinite" restart="never" nodeType="tmRoot"/>
+      </p:par>
+    </p:tnLst>
+  </p:timing>
+</p:sld>
+</file>
+
+<file path=ppt/slides/slide11.xml><?xml version="1.0" encoding="utf-8"?>
+<p:sld xmlns:a="http://schemas.openxmlformats.org/drawingml/2006/main" xmlns:r="http://schemas.openxmlformats.org/officeDocument/2006/relationships" xmlns:p="http://schemas.openxmlformats.org/presentationml/2006/main">
+  <p:cSld>
+    <p:spTree>
+      <p:nvGrpSpPr>
+        <p:cNvPr id="1" name=""/>
+        <p:cNvGrpSpPr/>
+        <p:nvPr/>
+      </p:nvGrpSpPr>
+      <p:grpSpPr>
+        <a:xfrm>
+          <a:off x="0" y="0"/>
+          <a:ext cx="0" cy="0"/>
+          <a:chOff x="0" y="0"/>
+          <a:chExt cx="0" cy="0"/>
+        </a:xfrm>
+      </p:grpSpPr>
+      <p:sp>
+        <p:nvSpPr>
+          <p:cNvPr id="2" name="Заголовок 1"/>
+          <p:cNvSpPr>
+            <a:spLocks noGrp="1"/>
+          </p:cNvSpPr>
+          <p:nvPr>
+            <p:ph type="title"/>
+          </p:nvPr>
+        </p:nvSpPr>
+        <p:spPr/>
+        <p:txBody>
+          <a:bodyPr/>
+          <a:lstStyle/>
+          <a:p>
+            <a:pPr algn="ctr"/>
+            <a:r>
+              <a:rPr lang="en-US" dirty="0" smtClean="0"/>
+              <a:t>Results</a:t>
+            </a:r>
+            <a:endParaRPr lang="ru-RU" dirty="0"/>
+          </a:p>
+        </p:txBody>
+      </p:sp>
+      <p:sp>
+        <p:nvSpPr>
+          <p:cNvPr id="3" name="Текст 2"/>
+          <p:cNvSpPr>
+            <a:spLocks noGrp="1"/>
+          </p:cNvSpPr>
+          <p:nvPr>
+            <p:ph type="body" idx="1"/>
+          </p:nvPr>
+        </p:nvSpPr>
+        <p:spPr/>
+        <p:txBody>
+          <a:bodyPr/>
+          <a:lstStyle/>
+          <a:p>
+            <a:r>
+              <a:rPr lang="en-US" dirty="0" smtClean="0"/>
+              <a:t>Our </a:t>
+            </a:r>
+            <a:r>
+              <a:rPr lang="en-US" dirty="0" smtClean="0"/>
+              <a:t>M</a:t>
+            </a:r>
+            <a:r>
+              <a:rPr lang="en-US" dirty="0" smtClean="0"/>
+              <a:t>in-Max algorithm has the following features:</a:t>
+            </a:r>
+          </a:p>
+          <a:p>
+            <a:pPr lvl="7"/>
+            <a:r>
+              <a:rPr lang="en-US" dirty="0" smtClean="0"/>
+              <a:t>	Depth is equal to 3</a:t>
+            </a:r>
+          </a:p>
+          <a:p>
+            <a:pPr lvl="7"/>
+            <a:r>
+              <a:rPr lang="en-US" dirty="0"/>
+              <a:t>	</a:t>
+            </a:r>
+            <a:r>
+              <a:rPr lang="en-US" dirty="0" smtClean="0"/>
+              <a:t>Average time of the AI move is around 5-10 seconds</a:t>
+            </a:r>
+          </a:p>
+          <a:p>
+            <a:pPr lvl="7"/>
+            <a:r>
+              <a:rPr lang="en-US" dirty="0"/>
+              <a:t>	</a:t>
+            </a:r>
+            <a:r>
+              <a:rPr lang="en-US" dirty="0" smtClean="0"/>
+              <a:t>Aimed at passive play</a:t>
+            </a:r>
+          </a:p>
+          <a:p>
+            <a:pPr lvl="7"/>
+            <a:r>
+              <a:rPr lang="en-US" dirty="0"/>
+              <a:t>	</a:t>
+            </a:r>
+            <a:r>
+              <a:rPr lang="en-US" dirty="0">
+                <a:solidFill>
+                  <a:srgbClr val="FF0000"/>
+                </a:solidFill>
+              </a:rPr>
+              <a:t>B</a:t>
+            </a:r>
+            <a:r>
+              <a:rPr lang="en-US" dirty="0" smtClean="0">
+                <a:solidFill>
+                  <a:srgbClr val="FF0000"/>
+                </a:solidFill>
+              </a:rPr>
+              <a:t>ut can easily take opportunity from player’s mistake</a:t>
+            </a:r>
+          </a:p>
+          <a:p>
+            <a:pPr lvl="7"/>
+            <a:r>
+              <a:rPr lang="en-US" dirty="0" smtClean="0"/>
+              <a:t> </a:t>
+            </a:r>
+          </a:p>
+          <a:p>
+            <a:pPr lvl="7"/>
+            <a:r>
+              <a:rPr lang="en-US" dirty="0"/>
+              <a:t>	</a:t>
+            </a:r>
+            <a:r>
+              <a:rPr lang="en-US" dirty="0" smtClean="0"/>
+              <a:t> </a:t>
+            </a:r>
+            <a:r>
+              <a:rPr lang="en-US" dirty="0" smtClean="0"/>
+              <a:t> </a:t>
+            </a:r>
+            <a:endParaRPr lang="ru-RU" dirty="0"/>
+          </a:p>
+        </p:txBody>
+      </p:sp>
+    </p:spTree>
+    <p:extLst>
+      <p:ext uri="{BB962C8B-B14F-4D97-AF65-F5344CB8AC3E}">
+        <p14:creationId xmlns:p14="http://schemas.microsoft.com/office/powerpoint/2010/main" val="3133045703"/>
+      </p:ext>
+    </p:extLst>
+  </p:cSld>
+  <p:clrMapOvr>
+    <a:masterClrMapping/>
+  </p:clrMapOvr>
+  <p:timing>
+    <p:tnLst>
+      <p:par>
+        <p:cTn id="1" dur="indefinite" restart="never" nodeType="tmRoot"/>
+      </p:par>
+    </p:tnLst>
+  </p:timing>
+</p:sld>
+</file>
+
+<file path=ppt/slides/slide12.xml><?xml version="1.0" encoding="utf-8"?>
+<p:sld xmlns:a="http://schemas.openxmlformats.org/drawingml/2006/main" xmlns:r="http://schemas.openxmlformats.org/officeDocument/2006/relationships" xmlns:p="http://schemas.openxmlformats.org/presentationml/2006/main">
+  <p:cSld>
+    <p:spTree>
+      <p:nvGrpSpPr>
+        <p:cNvPr id="1" name=""/>
+        <p:cNvGrpSpPr/>
+        <p:nvPr/>
+      </p:nvGrpSpPr>
+      <p:grpSpPr>
+        <a:xfrm>
+          <a:off x="0" y="0"/>
+          <a:ext cx="0" cy="0"/>
+          <a:chOff x="0" y="0"/>
+          <a:chExt cx="0" cy="0"/>
+        </a:xfrm>
+      </p:grpSpPr>
+      <p:sp>
+        <p:nvSpPr>
+          <p:cNvPr id="2" name="Заголовок 1"/>
+          <p:cNvSpPr>
+            <a:spLocks noGrp="1"/>
+          </p:cNvSpPr>
+          <p:nvPr>
+            <p:ph type="title"/>
+          </p:nvPr>
+        </p:nvSpPr>
+        <p:spPr/>
+        <p:txBody>
+          <a:bodyPr/>
+          <a:lstStyle/>
+          <a:p>
+            <a:pPr algn="ctr"/>
+            <a:r>
+              <a:rPr lang="en-US" dirty="0" smtClean="0"/>
+              <a:t>Conclusions</a:t>
+            </a:r>
+            <a:endParaRPr lang="ru-RU" dirty="0"/>
+          </a:p>
+        </p:txBody>
+      </p:sp>
+      <p:sp>
+        <p:nvSpPr>
+          <p:cNvPr id="3" name="Текст 2"/>
+          <p:cNvSpPr>
+            <a:spLocks noGrp="1"/>
+          </p:cNvSpPr>
+          <p:nvPr>
+            <p:ph type="body" idx="1"/>
+          </p:nvPr>
+        </p:nvSpPr>
+        <p:spPr/>
+        <p:txBody>
+          <a:bodyPr/>
+          <a:lstStyle/>
+          <a:p>
+            <a:r>
+              <a:rPr lang="en-US" dirty="0" smtClean="0"/>
+              <a:t>Our application has decent AI for the beginner or even for the average chess player.</a:t>
+            </a:r>
+          </a:p>
+          <a:p>
+            <a:r>
+              <a:rPr lang="en-US" dirty="0" smtClean="0"/>
+              <a:t>It rarely makes mistakes, however it can be won be by a player, who thinks more than 5 steps ahead.</a:t>
+            </a:r>
+          </a:p>
+        </p:txBody>
+      </p:sp>
+    </p:spTree>
+    <p:extLst>
+      <p:ext uri="{BB962C8B-B14F-4D97-AF65-F5344CB8AC3E}">
+        <p14:creationId xmlns:p14="http://schemas.microsoft.com/office/powerpoint/2010/main" val="3466325171"/>
+      </p:ext>
+    </p:extLst>
+  </p:cSld>
+  <p:clrMapOvr>
+    <a:masterClrMapping/>
+  </p:clrMapOvr>
+  <p:timing>
+    <p:tnLst>
+      <p:par>
+        <p:cTn id="1" dur="indefinite" restart="never" nodeType="tmRoot"/>
+      </p:par>
+    </p:tnLst>
+  </p:timing>
+</p:sld>
+</file>
+
+<file path=ppt/slides/slide13.xml><?xml version="1.0" encoding="utf-8"?>
+<p:sld xmlns:a="http://schemas.openxmlformats.org/drawingml/2006/main" xmlns:r="http://schemas.openxmlformats.org/officeDocument/2006/relationships" xmlns:p="http://schemas.openxmlformats.org/presentationml/2006/main">
+  <p:cSld>
+    <p:spTree>
+      <p:nvGrpSpPr>
+        <p:cNvPr id="1" name=""/>
+        <p:cNvGrpSpPr/>
+        <p:nvPr/>
+      </p:nvGrpSpPr>
+      <p:grpSpPr>
+        <a:xfrm>
+          <a:off x="0" y="0"/>
+          <a:ext cx="0" cy="0"/>
+          <a:chOff x="0" y="0"/>
+          <a:chExt cx="0" cy="0"/>
+        </a:xfrm>
+      </p:grpSpPr>
+      <p:sp>
+        <p:nvSpPr>
+          <p:cNvPr id="2" name="Заголовок 1"/>
+          <p:cNvSpPr>
+            <a:spLocks noGrp="1"/>
+          </p:cNvSpPr>
+          <p:nvPr>
+            <p:ph type="title"/>
+          </p:nvPr>
+        </p:nvSpPr>
+        <p:spPr/>
+        <p:txBody>
+          <a:bodyPr/>
+          <a:lstStyle/>
+          <a:p>
+            <a:pPr algn="ctr"/>
+            <a:r>
+              <a:rPr lang="en-US" dirty="0" smtClean="0"/>
+              <a:t>Let me finish with joke</a:t>
+            </a:r>
+            <a:endParaRPr lang="ru-RU" dirty="0"/>
+          </a:p>
+        </p:txBody>
+      </p:sp>
+      <p:sp>
+        <p:nvSpPr>
+          <p:cNvPr id="3" name="Текст 2"/>
+          <p:cNvSpPr>
+            <a:spLocks noGrp="1"/>
+          </p:cNvSpPr>
+          <p:nvPr>
+            <p:ph type="body" idx="1"/>
+          </p:nvPr>
+        </p:nvSpPr>
+        <p:spPr>
+          <a:xfrm>
+            <a:off x="531833" y="2687130"/>
+            <a:ext cx="4789526" cy="2207196"/>
+          </a:xfrm>
+        </p:spPr>
+        <p:txBody>
+          <a:bodyPr/>
+          <a:lstStyle/>
+          <a:p>
+            <a:endParaRPr lang="ru-RU" dirty="0"/>
+          </a:p>
+        </p:txBody>
+      </p:sp>
+      <p:pic>
+        <p:nvPicPr>
+          <p:cNvPr id="2050" name="Picture 2" descr="Картинки по запросу chess jokes"/>
+          <p:cNvPicPr>
+            <a:picLocks noChangeAspect="1" noChangeArrowheads="1"/>
+          </p:cNvPicPr>
+          <p:nvPr/>
+        </p:nvPicPr>
+        <p:blipFill>
+          <a:blip r:embed="rId2">
+            <a:extLst>
+              <a:ext uri="{28A0092B-C50C-407E-A947-70E740481C1C}">
+                <a14:useLocalDpi xmlns:a14="http://schemas.microsoft.com/office/drawing/2010/main" val="0"/>
+              </a:ext>
+            </a:extLst>
+          </a:blip>
+          <a:srcRect/>
+          <a:stretch>
+            <a:fillRect/>
+          </a:stretch>
+        </p:blipFill>
+        <p:spPr bwMode="auto">
+          <a:xfrm>
+            <a:off x="218828" y="1093850"/>
+            <a:ext cx="4412833" cy="3495792"/>
+          </a:xfrm>
+          <a:prstGeom prst="rect">
+            <a:avLst/>
+          </a:prstGeom>
+          <a:noFill/>
+          <a:extLst>
+            <a:ext uri="{909E8E84-426E-40DD-AFC4-6F175D3DCCD1}">
+              <a14:hiddenFill xmlns:a14="http://schemas.microsoft.com/office/drawing/2010/main">
+                <a:solidFill>
+                  <a:srgbClr val="FFFFFF"/>
+                </a:solidFill>
+              </a14:hiddenFill>
+            </a:ext>
+          </a:extLst>
+        </p:spPr>
+      </p:pic>
+      <p:pic>
+        <p:nvPicPr>
+          <p:cNvPr id="5" name="Picture 6" descr="Картинки по запросу chess jokes"/>
+          <p:cNvPicPr>
+            <a:picLocks noChangeAspect="1" noChangeArrowheads="1"/>
+          </p:cNvPicPr>
+          <p:nvPr/>
+        </p:nvPicPr>
+        <p:blipFill>
+          <a:blip r:embed="rId3">
+            <a:extLst>
+              <a:ext uri="{28A0092B-C50C-407E-A947-70E740481C1C}">
+                <a14:useLocalDpi xmlns:a14="http://schemas.microsoft.com/office/drawing/2010/main" val="0"/>
+              </a:ext>
+            </a:extLst>
+          </a:blip>
+          <a:srcRect/>
+          <a:stretch>
+            <a:fillRect/>
+          </a:stretch>
+        </p:blipFill>
+        <p:spPr bwMode="auto">
+          <a:xfrm>
+            <a:off x="5065105" y="1093850"/>
+            <a:ext cx="3333750" cy="3800476"/>
+          </a:xfrm>
+          <a:prstGeom prst="rect">
+            <a:avLst/>
+          </a:prstGeom>
+          <a:noFill/>
+          <a:extLst>
+            <a:ext uri="{909E8E84-426E-40DD-AFC4-6F175D3DCCD1}">
+              <a14:hiddenFill xmlns:a14="http://schemas.microsoft.com/office/drawing/2010/main">
+                <a:solidFill>
+                  <a:srgbClr val="FFFFFF"/>
+                </a:solidFill>
+              </a14:hiddenFill>
+            </a:ext>
+          </a:extLst>
+        </p:spPr>
+      </p:pic>
+    </p:spTree>
+    <p:extLst>
+      <p:ext uri="{BB962C8B-B14F-4D97-AF65-F5344CB8AC3E}">
+        <p14:creationId xmlns:p14="http://schemas.microsoft.com/office/powerpoint/2010/main" val="3494850437"/>
+      </p:ext>
+    </p:extLst>
+  </p:cSld>
+  <p:clrMapOvr>
+    <a:masterClrMapping/>
+  </p:clrMapOvr>
+  <p:timing>
+    <p:tnLst>
+      <p:par>
+        <p:cTn id="1" dur="indefinite" restart="never" nodeType="tmRoot"/>
+      </p:par>
+    </p:tnLst>
+  </p:timing>
+</p:sld>
+</file>
+
+<file path=ppt/slides/slide2.xml><?xml version="1.0" encoding="utf-8"?>
+<p:sld xmlns:a="http://schemas.openxmlformats.org/drawingml/2006/main" xmlns:r="http://schemas.openxmlformats.org/officeDocument/2006/relationships" xmlns:p="http://schemas.openxmlformats.org/presentationml/2006/main">
+  <p:cSld>
+    <p:spTree>
+      <p:nvGrpSpPr>
+        <p:cNvPr id="1" name="Shape 61"/>
         <p:cNvGrpSpPr/>
         <p:nvPr/>
       </p:nvGrpSpPr>
@@ -4880,7 +5741,9 @@
       <p:sp>
         <p:nvSpPr>
           <p:cNvPr id="62" name="Shape 62"/>
-          <p:cNvSpPr txBox="1"/>
+          <p:cNvSpPr txBox="1">
+            <a:spLocks noGrp="1"/>
+          </p:cNvSpPr>
           <p:nvPr>
             <p:ph type="title"/>
           </p:nvPr>
@@ -4895,7 +5758,7 @@
           </a:prstGeom>
         </p:spPr>
         <p:txBody>
-          <a:bodyPr anchorCtr="0" anchor="t" bIns="91425" lIns="91425" rIns="91425" tIns="91425">
+          <a:bodyPr lIns="91425" tIns="91425" rIns="91425" bIns="91425" anchor="t" anchorCtr="0">
             <a:noAutofit/>
           </a:bodyPr>
           <a:lstStyle/>
@@ -4908,11 +5771,7 @@
             </a:pPr>
             <a:r>
               <a:rPr lang="en"/>
-              <a:t>Some</a:t>
-            </a:r>
-            <a:r>
-              <a:rPr lang="en"/>
-              <a:t> Funny Jokes</a:t>
+              <a:t>Some Funny Jokes</a:t>
             </a:r>
           </a:p>
         </p:txBody>
@@ -5006,15 +5865,22 @@
   <p:clrMapOvr>
     <a:masterClrMapping/>
   </p:clrMapOvr>
+  <p:timing>
+    <p:tnLst>
+      <p:par>
+        <p:cTn id="1" dur="indefinite" restart="never" nodeType="tmRoot"/>
+      </p:par>
+    </p:tnLst>
+  </p:timing>
 </p:sld>
 </file>
 
 <file path=ppt/slides/slide3.xml><?xml version="1.0" encoding="utf-8"?>
-<p:sld xmlns:a="http://schemas.openxmlformats.org/drawingml/2006/main" xmlns:r="http://schemas.openxmlformats.org/officeDocument/2006/relationships" xmlns:mc="http://schemas.openxmlformats.org/markup-compatibility/2006" xmlns:mv="urn:schemas-microsoft-com:mac:vml" xmlns:p="http://schemas.openxmlformats.org/presentationml/2006/main" xmlns:c="http://schemas.openxmlformats.org/drawingml/2006/chart" xmlns:dgm="http://schemas.openxmlformats.org/drawingml/2006/diagram" xmlns:o="urn:schemas-microsoft-com:office:office" xmlns:v="urn:schemas-microsoft-com:vml" xmlns:pvml="urn:schemas-microsoft-com:office:powerpoint" xmlns:com="http://schemas.openxmlformats.org/drawingml/2006/compatibility" xmlns:p14="http://schemas.microsoft.com/office/powerpoint/2010/main">
+<p:sld xmlns:a="http://schemas.openxmlformats.org/drawingml/2006/main" xmlns:r="http://schemas.openxmlformats.org/officeDocument/2006/relationships" xmlns:p="http://schemas.openxmlformats.org/presentationml/2006/main">
   <p:cSld>
     <p:spTree>
       <p:nvGrpSpPr>
-        <p:cNvPr id="69" name="Shape 69"/>
+        <p:cNvPr id="1" name="Shape 69"/>
         <p:cNvGrpSpPr/>
         <p:nvPr/>
       </p:nvGrpSpPr>
@@ -5029,7 +5895,9 @@
       <p:sp>
         <p:nvSpPr>
           <p:cNvPr id="70" name="Shape 70"/>
-          <p:cNvSpPr txBox="1"/>
+          <p:cNvSpPr txBox="1">
+            <a:spLocks noGrp="1"/>
+          </p:cNvSpPr>
           <p:nvPr>
             <p:ph type="title"/>
           </p:nvPr>
@@ -5044,7 +5912,7 @@
           </a:prstGeom>
         </p:spPr>
         <p:txBody>
-          <a:bodyPr anchorCtr="0" anchor="t" bIns="91425" lIns="91425" rIns="91425" tIns="91425">
+          <a:bodyPr lIns="91425" tIns="91425" rIns="91425" bIns="91425" anchor="t" anchorCtr="0">
             <a:noAutofit/>
           </a:bodyPr>
           <a:lstStyle/>
@@ -5065,9 +5933,11 @@
       <p:sp>
         <p:nvSpPr>
           <p:cNvPr id="71" name="Shape 71"/>
-          <p:cNvSpPr txBox="1"/>
+          <p:cNvSpPr txBox="1">
+            <a:spLocks noGrp="1"/>
+          </p:cNvSpPr>
           <p:nvPr>
-            <p:ph idx="1" type="body"/>
+            <p:ph type="body" idx="1"/>
           </p:nvPr>
         </p:nvSpPr>
         <p:spPr>
@@ -5080,12 +5950,12 @@
           </a:prstGeom>
         </p:spPr>
         <p:txBody>
-          <a:bodyPr anchorCtr="0" anchor="t" bIns="91425" lIns="91425" rIns="91425" tIns="91425">
+          <a:bodyPr lIns="91425" tIns="91425" rIns="91425" bIns="91425" anchor="t" anchorCtr="0">
             <a:noAutofit/>
           </a:bodyPr>
           <a:lstStyle/>
           <a:p>
-            <a:pPr indent="-228600" lvl="0" marL="457200" rtl="0">
+            <a:pPr marL="457200" lvl="0" indent="-228600" rtl="0">
               <a:lnSpc>
                 <a:spcPct val="150000"/>
               </a:lnSpc>
@@ -5097,7 +5967,7 @@
               </a:buClr>
             </a:pPr>
             <a:r>
-              <a:rPr lang="en">
+              <a:rPr lang="en" dirty="0">
                 <a:solidFill>
                   <a:srgbClr val="000000"/>
                 </a:solidFill>
@@ -5106,7 +5976,7 @@
             </a:r>
           </a:p>
           <a:p>
-            <a:pPr indent="-228600" lvl="0" marL="457200" rtl="0">
+            <a:pPr marL="457200" lvl="0" indent="-228600" rtl="0">
               <a:lnSpc>
                 <a:spcPct val="150000"/>
               </a:lnSpc>
@@ -5118,7 +5988,7 @@
               </a:buClr>
             </a:pPr>
             <a:r>
-              <a:rPr lang="en">
+              <a:rPr lang="en" dirty="0">
                 <a:solidFill>
                   <a:srgbClr val="000000"/>
                 </a:solidFill>
@@ -5127,7 +5997,7 @@
             </a:r>
           </a:p>
           <a:p>
-            <a:pPr indent="-228600" lvl="0" marL="457200" rtl="0">
+            <a:pPr marL="457200" lvl="0" indent="-228600" rtl="0">
               <a:lnSpc>
                 <a:spcPct val="150000"/>
               </a:lnSpc>
@@ -5139,7 +6009,7 @@
               </a:buClr>
             </a:pPr>
             <a:r>
-              <a:rPr lang="en">
+              <a:rPr lang="en" dirty="0">
                 <a:solidFill>
                   <a:srgbClr val="000000"/>
                 </a:solidFill>
@@ -5148,111 +6018,39 @@
             </a:r>
           </a:p>
           <a:p>
-            <a:pPr indent="-228600" lvl="0" marL="457200" rtl="0">
-              <a:lnSpc>
-                <a:spcPct val="150000"/>
-              </a:lnSpc>
-              <a:spcBef>
-                <a:spcPts val="0"/>
-              </a:spcBef>
-              <a:buClr>
-                <a:srgbClr val="000000"/>
-              </a:buClr>
-            </a:pPr>
-            <a:r>
-              <a:rPr lang="en">
-                <a:solidFill>
-                  <a:srgbClr val="000000"/>
-                </a:solidFill>
-              </a:rPr>
-              <a:t>The application has two game modes:</a:t>
-            </a:r>
-          </a:p>
-          <a:p>
-            <a:pPr indent="-228600" lvl="1" marL="914400" rtl="0">
-              <a:lnSpc>
-                <a:spcPct val="150000"/>
-              </a:lnSpc>
-              <a:spcBef>
-                <a:spcPts val="0"/>
-              </a:spcBef>
-              <a:buClr>
-                <a:srgbClr val="000000"/>
-              </a:buClr>
-            </a:pPr>
-            <a:r>
-              <a:rPr lang="en">
-                <a:solidFill>
-                  <a:srgbClr val="000000"/>
-                </a:solidFill>
-              </a:rPr>
-              <a:t>Human vs Human</a:t>
-            </a:r>
-          </a:p>
-          <a:p>
-            <a:pPr indent="-228600" lvl="1" marL="914400" rtl="0">
-              <a:lnSpc>
-                <a:spcPct val="150000"/>
-              </a:lnSpc>
-              <a:spcBef>
-                <a:spcPts val="0"/>
-              </a:spcBef>
-              <a:buClr>
-                <a:srgbClr val="000000"/>
-              </a:buClr>
-            </a:pPr>
-            <a:r>
-              <a:rPr lang="en">
-                <a:solidFill>
-                  <a:srgbClr val="000000"/>
-                </a:solidFill>
-              </a:rPr>
-              <a:t>Human vs AI (Artificial Intelligence)</a:t>
-            </a:r>
-          </a:p>
-          <a:p>
-            <a:pPr indent="0" lvl="0" marL="0" rtl="0">
+            <a:pPr marL="0" lvl="0" indent="0" rtl="0">
               <a:spcBef>
                 <a:spcPts val="0"/>
               </a:spcBef>
               <a:buNone/>
             </a:pPr>
-            <a:r>
-              <a:t/>
-            </a:r>
-            <a:endParaRPr>
+            <a:endParaRPr dirty="0">
               <a:solidFill>
                 <a:srgbClr val="000000"/>
               </a:solidFill>
             </a:endParaRPr>
           </a:p>
           <a:p>
-            <a:pPr indent="0" lvl="0" marL="0" rtl="0">
+            <a:pPr marL="0" lvl="0" indent="0" rtl="0">
               <a:spcBef>
                 <a:spcPts val="0"/>
               </a:spcBef>
               <a:buNone/>
             </a:pPr>
-            <a:r>
-              <a:t/>
-            </a:r>
-            <a:endParaRPr>
+            <a:endParaRPr dirty="0">
               <a:solidFill>
                 <a:srgbClr val="000000"/>
               </a:solidFill>
             </a:endParaRPr>
           </a:p>
           <a:p>
-            <a:pPr indent="0" lvl="0" marL="0">
+            <a:pPr marL="0" lvl="0" indent="0">
               <a:spcBef>
                 <a:spcPts val="0"/>
               </a:spcBef>
               <a:buNone/>
             </a:pPr>
-            <a:r>
-              <a:t/>
-            </a:r>
-            <a:endParaRPr>
+            <a:endParaRPr dirty="0">
               <a:solidFill>
                 <a:srgbClr val="000000"/>
               </a:solidFill>
@@ -5265,10 +6063,7 @@
               </a:spcBef>
               <a:buNone/>
             </a:pPr>
-            <a:r>
-              <a:t/>
-            </a:r>
-            <a:endParaRPr>
+            <a:endParaRPr dirty="0">
               <a:solidFill>
                 <a:srgbClr val="000000"/>
               </a:solidFill>
@@ -5281,15 +6076,179 @@
   <p:clrMapOvr>
     <a:masterClrMapping/>
   </p:clrMapOvr>
+  <p:timing>
+    <p:tnLst>
+      <p:par>
+        <p:cTn id="1" dur="indefinite" restart="never" nodeType="tmRoot"/>
+      </p:par>
+    </p:tnLst>
+  </p:timing>
 </p:sld>
 </file>
 
 <file path=ppt/slides/slide4.xml><?xml version="1.0" encoding="utf-8"?>
-<p:sld xmlns:a="http://schemas.openxmlformats.org/drawingml/2006/main" xmlns:r="http://schemas.openxmlformats.org/officeDocument/2006/relationships" xmlns:mc="http://schemas.openxmlformats.org/markup-compatibility/2006" xmlns:mv="urn:schemas-microsoft-com:mac:vml" xmlns:p="http://schemas.openxmlformats.org/presentationml/2006/main" xmlns:c="http://schemas.openxmlformats.org/drawingml/2006/chart" xmlns:dgm="http://schemas.openxmlformats.org/drawingml/2006/diagram" xmlns:o="urn:schemas-microsoft-com:office:office" xmlns:v="urn:schemas-microsoft-com:vml" xmlns:pvml="urn:schemas-microsoft-com:office:powerpoint" xmlns:com="http://schemas.openxmlformats.org/drawingml/2006/compatibility" xmlns:p14="http://schemas.microsoft.com/office/powerpoint/2010/main">
+<p:sld xmlns:a="http://schemas.openxmlformats.org/drawingml/2006/main" xmlns:r="http://schemas.openxmlformats.org/officeDocument/2006/relationships" xmlns:p="http://schemas.openxmlformats.org/presentationml/2006/main">
   <p:cSld>
     <p:spTree>
       <p:nvGrpSpPr>
-        <p:cNvPr id="75" name="Shape 75"/>
+        <p:cNvPr id="1" name=""/>
+        <p:cNvGrpSpPr/>
+        <p:nvPr/>
+      </p:nvGrpSpPr>
+      <p:grpSpPr>
+        <a:xfrm>
+          <a:off x="0" y="0"/>
+          <a:ext cx="0" cy="0"/>
+          <a:chOff x="0" y="0"/>
+          <a:chExt cx="0" cy="0"/>
+        </a:xfrm>
+      </p:grpSpPr>
+      <p:sp>
+        <p:nvSpPr>
+          <p:cNvPr id="2" name="Заголовок 1"/>
+          <p:cNvSpPr>
+            <a:spLocks noGrp="1"/>
+          </p:cNvSpPr>
+          <p:nvPr>
+            <p:ph type="title"/>
+          </p:nvPr>
+        </p:nvSpPr>
+        <p:spPr/>
+        <p:txBody>
+          <a:bodyPr/>
+          <a:lstStyle/>
+          <a:p>
+            <a:pPr algn="ctr"/>
+            <a:r>
+              <a:rPr lang="en-US" dirty="0" smtClean="0"/>
+              <a:t>A Short Introduction</a:t>
+            </a:r>
+            <a:endParaRPr lang="ru-RU" dirty="0"/>
+          </a:p>
+        </p:txBody>
+      </p:sp>
+      <p:sp>
+        <p:nvSpPr>
+          <p:cNvPr id="3" name="Текст 2"/>
+          <p:cNvSpPr>
+            <a:spLocks noGrp="1"/>
+          </p:cNvSpPr>
+          <p:nvPr>
+            <p:ph type="body" idx="1"/>
+          </p:nvPr>
+        </p:nvSpPr>
+        <p:spPr/>
+        <p:txBody>
+          <a:bodyPr/>
+          <a:lstStyle/>
+          <a:p>
+            <a:pPr marL="457200" lvl="0" indent="-228600">
+              <a:lnSpc>
+                <a:spcPct val="150000"/>
+              </a:lnSpc>
+              <a:buClr>
+                <a:srgbClr val="000000"/>
+              </a:buClr>
+            </a:pPr>
+            <a:r>
+              <a:rPr lang="en" dirty="0">
+                <a:solidFill>
+                  <a:srgbClr val="000000"/>
+                </a:solidFill>
+              </a:rPr>
+              <a:t>The application has two game modes:</a:t>
+            </a:r>
+          </a:p>
+          <a:p>
+            <a:pPr marL="914400" lvl="1" indent="-228600">
+              <a:lnSpc>
+                <a:spcPct val="150000"/>
+              </a:lnSpc>
+              <a:buClr>
+                <a:srgbClr val="000000"/>
+              </a:buClr>
+            </a:pPr>
+            <a:r>
+              <a:rPr lang="en" dirty="0">
+                <a:solidFill>
+                  <a:srgbClr val="000000"/>
+                </a:solidFill>
+              </a:rPr>
+              <a:t>Human vs Human</a:t>
+            </a:r>
+          </a:p>
+          <a:p>
+            <a:pPr marL="914400" lvl="1" indent="-228600">
+              <a:lnSpc>
+                <a:spcPct val="150000"/>
+              </a:lnSpc>
+              <a:buClr>
+                <a:srgbClr val="000000"/>
+              </a:buClr>
+            </a:pPr>
+            <a:r>
+              <a:rPr lang="en" dirty="0">
+                <a:solidFill>
+                  <a:srgbClr val="000000"/>
+                </a:solidFill>
+              </a:rPr>
+              <a:t>Human vs AI (Artificial Intelligence</a:t>
+            </a:r>
+            <a:r>
+              <a:rPr lang="en" dirty="0" smtClean="0">
+                <a:solidFill>
+                  <a:srgbClr val="000000"/>
+                </a:solidFill>
+              </a:rPr>
+              <a:t>)</a:t>
+            </a:r>
+          </a:p>
+          <a:p>
+            <a:pPr marL="914400" lvl="3" indent="-228600">
+              <a:lnSpc>
+                <a:spcPct val="150000"/>
+              </a:lnSpc>
+              <a:buClr>
+                <a:srgbClr val="000000"/>
+              </a:buClr>
+            </a:pPr>
+            <a:endParaRPr lang="en" dirty="0">
+              <a:solidFill>
+                <a:srgbClr val="000000"/>
+              </a:solidFill>
+            </a:endParaRPr>
+          </a:p>
+          <a:p>
+            <a:endParaRPr lang="ru-RU" dirty="0"/>
+          </a:p>
+        </p:txBody>
+      </p:sp>
+    </p:spTree>
+    <p:extLst>
+      <p:ext uri="{BB962C8B-B14F-4D97-AF65-F5344CB8AC3E}">
+        <p14:creationId xmlns:p14="http://schemas.microsoft.com/office/powerpoint/2010/main" val="514464867"/>
+      </p:ext>
+    </p:extLst>
+  </p:cSld>
+  <p:clrMapOvr>
+    <a:masterClrMapping/>
+  </p:clrMapOvr>
+  <p:timing>
+    <p:tnLst>
+      <p:par>
+        <p:cTn id="1" dur="indefinite" restart="never" nodeType="tmRoot"/>
+      </p:par>
+    </p:tnLst>
+  </p:timing>
+</p:sld>
+</file>
+
+<file path=ppt/slides/slide5.xml><?xml version="1.0" encoding="utf-8"?>
+<p:sld xmlns:a="http://schemas.openxmlformats.org/drawingml/2006/main" xmlns:r="http://schemas.openxmlformats.org/officeDocument/2006/relationships" xmlns:p="http://schemas.openxmlformats.org/presentationml/2006/main">
+  <p:cSld>
+    <p:spTree>
+      <p:nvGrpSpPr>
+        <p:cNvPr id="1" name="Shape 75"/>
         <p:cNvGrpSpPr/>
         <p:nvPr/>
       </p:nvGrpSpPr>
@@ -5304,7 +6263,9 @@
       <p:sp>
         <p:nvSpPr>
           <p:cNvPr id="76" name="Shape 76"/>
-          <p:cNvSpPr txBox="1"/>
+          <p:cNvSpPr txBox="1">
+            <a:spLocks noGrp="1"/>
+          </p:cNvSpPr>
           <p:nvPr>
             <p:ph type="title"/>
           </p:nvPr>
@@ -5319,7 +6280,7 @@
           </a:prstGeom>
         </p:spPr>
         <p:txBody>
-          <a:bodyPr anchorCtr="0" anchor="t" bIns="91425" lIns="91425" rIns="91425" tIns="91425">
+          <a:bodyPr lIns="91425" tIns="91425" rIns="91425" bIns="91425" anchor="t" anchorCtr="0">
             <a:noAutofit/>
           </a:bodyPr>
           <a:lstStyle/>
@@ -5340,9 +6301,11 @@
       <p:sp>
         <p:nvSpPr>
           <p:cNvPr id="77" name="Shape 77"/>
-          <p:cNvSpPr txBox="1"/>
+          <p:cNvSpPr txBox="1">
+            <a:spLocks noGrp="1"/>
+          </p:cNvSpPr>
           <p:nvPr>
-            <p:ph idx="1" type="body"/>
+            <p:ph type="body" idx="1"/>
           </p:nvPr>
         </p:nvSpPr>
         <p:spPr>
@@ -5355,12 +6318,12 @@
           </a:prstGeom>
         </p:spPr>
         <p:txBody>
-          <a:bodyPr anchorCtr="0" anchor="t" bIns="91425" lIns="91425" rIns="91425" tIns="91425">
+          <a:bodyPr lIns="91425" tIns="91425" rIns="91425" bIns="91425" anchor="t" anchorCtr="0">
             <a:noAutofit/>
           </a:bodyPr>
           <a:lstStyle/>
           <a:p>
-            <a:pPr indent="-228600" lvl="0" marL="457200" rtl="0">
+            <a:pPr marL="457200" lvl="0" indent="-228600" rtl="0">
               <a:spcBef>
                 <a:spcPts val="0"/>
               </a:spcBef>
@@ -5369,7 +6332,7 @@
               </a:buClr>
             </a:pPr>
             <a:r>
-              <a:rPr lang="en">
+              <a:rPr lang="en" dirty="0">
                 <a:solidFill>
                   <a:srgbClr val="000000"/>
                 </a:solidFill>
@@ -5378,7 +6341,7 @@
             </a:r>
           </a:p>
           <a:p>
-            <a:pPr indent="-228600" lvl="0" marL="457200" rtl="0">
+            <a:pPr marL="457200" lvl="0" indent="-228600" rtl="0">
               <a:spcBef>
                 <a:spcPts val="0"/>
               </a:spcBef>
@@ -5387,7 +6350,7 @@
               </a:buClr>
             </a:pPr>
             <a:r>
-              <a:rPr lang="en">
+              <a:rPr lang="en" dirty="0">
                 <a:solidFill>
                   <a:srgbClr val="000000"/>
                 </a:solidFill>
@@ -5396,7 +6359,7 @@
             </a:r>
           </a:p>
           <a:p>
-            <a:pPr indent="-228600" lvl="0" marL="457200" rtl="0">
+            <a:pPr marL="457200" lvl="0" indent="-228600" rtl="0">
               <a:spcBef>
                 <a:spcPts val="0"/>
               </a:spcBef>
@@ -5405,7 +6368,7 @@
               </a:buClr>
             </a:pPr>
             <a:r>
-              <a:rPr lang="en">
+              <a:rPr lang="en" dirty="0">
                 <a:solidFill>
                   <a:srgbClr val="000000"/>
                 </a:solidFill>
@@ -5420,15 +6383,22 @@
   <p:clrMapOvr>
     <a:masterClrMapping/>
   </p:clrMapOvr>
+  <p:timing>
+    <p:tnLst>
+      <p:par>
+        <p:cTn id="1" dur="indefinite" restart="never" nodeType="tmRoot"/>
+      </p:par>
+    </p:tnLst>
+  </p:timing>
 </p:sld>
 </file>
 
-<file path=ppt/slides/slide5.xml><?xml version="1.0" encoding="utf-8"?>
-<p:sld xmlns:a="http://schemas.openxmlformats.org/drawingml/2006/main" xmlns:r="http://schemas.openxmlformats.org/officeDocument/2006/relationships" xmlns:mc="http://schemas.openxmlformats.org/markup-compatibility/2006" xmlns:mv="urn:schemas-microsoft-com:mac:vml" xmlns:p="http://schemas.openxmlformats.org/presentationml/2006/main" xmlns:c="http://schemas.openxmlformats.org/drawingml/2006/chart" xmlns:dgm="http://schemas.openxmlformats.org/drawingml/2006/diagram" xmlns:o="urn:schemas-microsoft-com:office:office" xmlns:v="urn:schemas-microsoft-com:vml" xmlns:pvml="urn:schemas-microsoft-com:office:powerpoint" xmlns:com="http://schemas.openxmlformats.org/drawingml/2006/compatibility" xmlns:p14="http://schemas.microsoft.com/office/powerpoint/2010/main">
+<file path=ppt/slides/slide6.xml><?xml version="1.0" encoding="utf-8"?>
+<p:sld xmlns:a="http://schemas.openxmlformats.org/drawingml/2006/main" xmlns:r="http://schemas.openxmlformats.org/officeDocument/2006/relationships" xmlns:p="http://schemas.openxmlformats.org/presentationml/2006/main">
   <p:cSld>
     <p:spTree>
       <p:nvGrpSpPr>
-        <p:cNvPr id="81" name="Shape 81"/>
+        <p:cNvPr id="1" name="Shape 81"/>
         <p:cNvGrpSpPr/>
         <p:nvPr/>
       </p:nvGrpSpPr>
@@ -5443,7 +6413,9 @@
       <p:sp>
         <p:nvSpPr>
           <p:cNvPr id="82" name="Shape 82"/>
-          <p:cNvSpPr txBox="1"/>
+          <p:cNvSpPr txBox="1">
+            <a:spLocks noGrp="1"/>
+          </p:cNvSpPr>
           <p:nvPr>
             <p:ph type="title"/>
           </p:nvPr>
@@ -5458,7 +6430,7 @@
           </a:prstGeom>
         </p:spPr>
         <p:txBody>
-          <a:bodyPr anchorCtr="0" anchor="t" bIns="91425" lIns="91425" rIns="91425" tIns="91425">
+          <a:bodyPr lIns="91425" tIns="91425" rIns="91425" bIns="91425" anchor="t" anchorCtr="0">
             <a:noAutofit/>
           </a:bodyPr>
           <a:lstStyle/>
@@ -5509,15 +6481,22 @@
   <p:clrMapOvr>
     <a:masterClrMapping/>
   </p:clrMapOvr>
+  <p:timing>
+    <p:tnLst>
+      <p:par>
+        <p:cTn id="1" dur="indefinite" restart="never" nodeType="tmRoot"/>
+      </p:par>
+    </p:tnLst>
+  </p:timing>
 </p:sld>
 </file>
 
-<file path=ppt/slides/slide6.xml><?xml version="1.0" encoding="utf-8"?>
-<p:sld xmlns:a="http://schemas.openxmlformats.org/drawingml/2006/main" xmlns:r="http://schemas.openxmlformats.org/officeDocument/2006/relationships" xmlns:mc="http://schemas.openxmlformats.org/markup-compatibility/2006" xmlns:mv="urn:schemas-microsoft-com:mac:vml" xmlns:p="http://schemas.openxmlformats.org/presentationml/2006/main" xmlns:c="http://schemas.openxmlformats.org/drawingml/2006/chart" xmlns:dgm="http://schemas.openxmlformats.org/drawingml/2006/diagram" xmlns:o="urn:schemas-microsoft-com:office:office" xmlns:v="urn:schemas-microsoft-com:vml" xmlns:pvml="urn:schemas-microsoft-com:office:powerpoint" xmlns:com="http://schemas.openxmlformats.org/drawingml/2006/compatibility" xmlns:p14="http://schemas.microsoft.com/office/powerpoint/2010/main">
+<file path=ppt/slides/slide7.xml><?xml version="1.0" encoding="utf-8"?>
+<p:sld xmlns:a="http://schemas.openxmlformats.org/drawingml/2006/main" xmlns:r="http://schemas.openxmlformats.org/officeDocument/2006/relationships" xmlns:p="http://schemas.openxmlformats.org/presentationml/2006/main">
   <p:cSld>
     <p:spTree>
       <p:nvGrpSpPr>
-        <p:cNvPr id="87" name="Shape 87"/>
+        <p:cNvPr id="1" name="Shape 87"/>
         <p:cNvGrpSpPr/>
         <p:nvPr/>
       </p:nvGrpSpPr>
@@ -5532,7 +6511,9 @@
       <p:sp>
         <p:nvSpPr>
           <p:cNvPr id="88" name="Shape 88"/>
-          <p:cNvSpPr txBox="1"/>
+          <p:cNvSpPr txBox="1">
+            <a:spLocks noGrp="1"/>
+          </p:cNvSpPr>
           <p:nvPr>
             <p:ph type="title"/>
           </p:nvPr>
@@ -5547,7 +6528,7 @@
           </a:prstGeom>
         </p:spPr>
         <p:txBody>
-          <a:bodyPr anchorCtr="0" anchor="t" bIns="91425" lIns="91425" rIns="91425" tIns="91425">
+          <a:bodyPr lIns="91425" tIns="91425" rIns="91425" bIns="91425" anchor="t" anchorCtr="0">
             <a:noAutofit/>
           </a:bodyPr>
           <a:lstStyle/>
@@ -5598,15 +6579,22 @@
   <p:clrMapOvr>
     <a:masterClrMapping/>
   </p:clrMapOvr>
+  <p:timing>
+    <p:tnLst>
+      <p:par>
+        <p:cTn id="1" dur="indefinite" restart="never" nodeType="tmRoot"/>
+      </p:par>
+    </p:tnLst>
+  </p:timing>
 </p:sld>
 </file>
 
-<file path=ppt/slides/slide7.xml><?xml version="1.0" encoding="utf-8"?>
-<p:sld xmlns:a="http://schemas.openxmlformats.org/drawingml/2006/main" xmlns:r="http://schemas.openxmlformats.org/officeDocument/2006/relationships" xmlns:mc="http://schemas.openxmlformats.org/markup-compatibility/2006" xmlns:mv="urn:schemas-microsoft-com:mac:vml" xmlns:p="http://schemas.openxmlformats.org/presentationml/2006/main" xmlns:c="http://schemas.openxmlformats.org/drawingml/2006/chart" xmlns:dgm="http://schemas.openxmlformats.org/drawingml/2006/diagram" xmlns:o="urn:schemas-microsoft-com:office:office" xmlns:v="urn:schemas-microsoft-com:vml" xmlns:pvml="urn:schemas-microsoft-com:office:powerpoint" xmlns:com="http://schemas.openxmlformats.org/drawingml/2006/compatibility" xmlns:p14="http://schemas.microsoft.com/office/powerpoint/2010/main">
+<file path=ppt/slides/slide8.xml><?xml version="1.0" encoding="utf-8"?>
+<p:sld xmlns:a="http://schemas.openxmlformats.org/drawingml/2006/main" xmlns:r="http://schemas.openxmlformats.org/officeDocument/2006/relationships" xmlns:p="http://schemas.openxmlformats.org/presentationml/2006/main">
   <p:cSld>
     <p:spTree>
       <p:nvGrpSpPr>
-        <p:cNvPr id="93" name="Shape 93"/>
+        <p:cNvPr id="1" name="Shape 93"/>
         <p:cNvGrpSpPr/>
         <p:nvPr/>
       </p:nvGrpSpPr>
@@ -5621,7 +6609,9 @@
       <p:sp>
         <p:nvSpPr>
           <p:cNvPr id="94" name="Shape 94"/>
-          <p:cNvSpPr txBox="1"/>
+          <p:cNvSpPr txBox="1">
+            <a:spLocks noGrp="1"/>
+          </p:cNvSpPr>
           <p:nvPr>
             <p:ph type="title"/>
           </p:nvPr>
@@ -5636,7 +6626,7 @@
           </a:prstGeom>
         </p:spPr>
         <p:txBody>
-          <a:bodyPr anchorCtr="0" anchor="t" bIns="91425" lIns="91425" rIns="91425" tIns="91425">
+          <a:bodyPr lIns="91425" tIns="91425" rIns="91425" bIns="91425" anchor="t" anchorCtr="0">
             <a:noAutofit/>
           </a:bodyPr>
           <a:lstStyle/>
@@ -5687,11 +6677,130 @@
   <p:clrMapOvr>
     <a:masterClrMapping/>
   </p:clrMapOvr>
+  <p:timing>
+    <p:tnLst>
+      <p:par>
+        <p:cTn id="1" dur="indefinite" restart="never" nodeType="tmRoot"/>
+      </p:par>
+    </p:tnLst>
+  </p:timing>
+</p:sld>
+</file>
+
+<file path=ppt/slides/slide9.xml><?xml version="1.0" encoding="utf-8"?>
+<p:sld xmlns:a="http://schemas.openxmlformats.org/drawingml/2006/main" xmlns:r="http://schemas.openxmlformats.org/officeDocument/2006/relationships" xmlns:p="http://schemas.openxmlformats.org/presentationml/2006/main">
+  <p:cSld>
+    <p:spTree>
+      <p:nvGrpSpPr>
+        <p:cNvPr id="1" name=""/>
+        <p:cNvGrpSpPr/>
+        <p:nvPr/>
+      </p:nvGrpSpPr>
+      <p:grpSpPr>
+        <a:xfrm>
+          <a:off x="0" y="0"/>
+          <a:ext cx="0" cy="0"/>
+          <a:chOff x="0" y="0"/>
+          <a:chExt cx="0" cy="0"/>
+        </a:xfrm>
+      </p:grpSpPr>
+      <p:sp>
+        <p:nvSpPr>
+          <p:cNvPr id="2" name="Заголовок 1"/>
+          <p:cNvSpPr>
+            <a:spLocks noGrp="1"/>
+          </p:cNvSpPr>
+          <p:nvPr>
+            <p:ph type="title"/>
+          </p:nvPr>
+        </p:nvSpPr>
+        <p:spPr/>
+        <p:txBody>
+          <a:bodyPr/>
+          <a:lstStyle/>
+          <a:p>
+            <a:pPr algn="ctr"/>
+            <a:r>
+              <a:rPr lang="en-US" dirty="0" smtClean="0"/>
+              <a:t>Project Features. </a:t>
+            </a:r>
+            <a:r>
+              <a:rPr lang="en-US" dirty="0" smtClean="0"/>
+              <a:t>Move </a:t>
+            </a:r>
+            <a:r>
+              <a:rPr lang="en-US" dirty="0" smtClean="0"/>
+              <a:t>logging</a:t>
+            </a:r>
+            <a:endParaRPr lang="ru-RU" dirty="0"/>
+          </a:p>
+        </p:txBody>
+      </p:sp>
+      <p:pic>
+        <p:nvPicPr>
+          <p:cNvPr id="4" name="Рисунок 3"/>
+          <p:cNvPicPr>
+            <a:picLocks noChangeAspect="1"/>
+          </p:cNvPicPr>
+          <p:nvPr/>
+        </p:nvPicPr>
+        <p:blipFill>
+          <a:blip r:embed="rId2"/>
+          <a:stretch>
+            <a:fillRect/>
+          </a:stretch>
+        </p:blipFill>
+        <p:spPr>
+          <a:xfrm>
+            <a:off x="2034283" y="1093850"/>
+            <a:ext cx="5311739" cy="3983804"/>
+          </a:xfrm>
+          <a:prstGeom prst="rect">
+            <a:avLst/>
+          </a:prstGeom>
+        </p:spPr>
+      </p:pic>
+      <p:sp>
+        <p:nvSpPr>
+          <p:cNvPr id="3" name="Текст 2"/>
+          <p:cNvSpPr>
+            <a:spLocks noGrp="1"/>
+          </p:cNvSpPr>
+          <p:nvPr>
+            <p:ph type="body" idx="1"/>
+          </p:nvPr>
+        </p:nvSpPr>
+        <p:spPr/>
+        <p:txBody>
+          <a:bodyPr/>
+          <a:lstStyle/>
+          <a:p>
+            <a:endParaRPr lang="ru-RU" dirty="0"/>
+          </a:p>
+        </p:txBody>
+      </p:sp>
+    </p:spTree>
+    <p:extLst>
+      <p:ext uri="{BB962C8B-B14F-4D97-AF65-F5344CB8AC3E}">
+        <p14:creationId xmlns:p14="http://schemas.microsoft.com/office/powerpoint/2010/main" val="1843672324"/>
+      </p:ext>
+    </p:extLst>
+  </p:cSld>
+  <p:clrMapOvr>
+    <a:masterClrMapping/>
+  </p:clrMapOvr>
+  <p:timing>
+    <p:tnLst>
+      <p:par>
+        <p:cTn id="1" dur="indefinite" restart="never" nodeType="tmRoot"/>
+      </p:par>
+    </p:tnLst>
+  </p:timing>
 </p:sld>
 </file>
 
 <file path=ppt/theme/theme1.xml><?xml version="1.0" encoding="utf-8"?>
-<a:theme xmlns:a="http://schemas.openxmlformats.org/drawingml/2006/main" xmlns:r="http://schemas.openxmlformats.org/officeDocument/2006/relationships" name="beach-day">
+<a:theme xmlns:a="http://schemas.openxmlformats.org/drawingml/2006/main" name="beach-day">
   <a:themeElements>
     <a:clrScheme name="Beach Day">
       <a:dk1>
@@ -5966,11 +7075,13 @@
       </a:bgFillStyleLst>
     </a:fmtScheme>
   </a:themeElements>
+  <a:objectDefaults/>
+  <a:extraClrSchemeLst/>
 </a:theme>
 </file>
 
 <file path=ppt/theme/theme2.xml><?xml version="1.0" encoding="utf-8"?>
-<a:theme xmlns:a="http://schemas.openxmlformats.org/drawingml/2006/main" xmlns:r="http://schemas.openxmlformats.org/officeDocument/2006/relationships" name="Custom Theme">
+<a:theme xmlns:a="http://schemas.openxmlformats.org/drawingml/2006/main" name="Custom Theme">
   <a:themeElements>
     <a:clrScheme name="Default">
       <a:dk1>
@@ -6245,5 +7356,7 @@
       </a:bgFillStyleLst>
     </a:fmtScheme>
   </a:themeElements>
+  <a:objectDefaults/>
+  <a:extraClrSchemeLst/>
 </a:theme>
 </file>